--- a/General approach - illustration.pptx
+++ b/General approach - illustration.pptx
@@ -7,6 +7,7 @@
   <p:sldIdLst>
     <p:sldId id="256" r:id="rId2"/>
     <p:sldId id="257" r:id="rId3"/>
+    <p:sldId id="258" r:id="rId4"/>
   </p:sldIdLst>
   <p:sldSz cx="12192000" cy="6858000"/>
   <p:notesSz cx="6858000" cy="9144000"/>
@@ -105,7 +106,3023 @@
       </a:defRPr>
     </a:lvl9pPr>
   </p:defaultTextStyle>
+  <p:extLst>
+    <p:ext uri="{EFAFB233-063F-42B5-8137-9DF3F51BA10A}">
+      <p15:sldGuideLst xmlns:p15="http://schemas.microsoft.com/office/powerpoint/2012/main"/>
+    </p:ext>
+  </p:extLst>
 </p:presentation>
+</file>
+
+<file path=ppt/diagrams/colors1.xml><?xml version="1.0" encoding="utf-8"?>
+<dgm:colorsDef xmlns:dgm="http://schemas.openxmlformats.org/drawingml/2006/diagram" xmlns:a="http://schemas.openxmlformats.org/drawingml/2006/main" uniqueId="urn:microsoft.com/office/officeart/2005/8/colors/accent6_2">
+  <dgm:title val=""/>
+  <dgm:desc val=""/>
+  <dgm:catLst>
+    <dgm:cat type="accent6" pri="11200"/>
+  </dgm:catLst>
+  <dgm:styleLbl name="node0">
+    <dgm:fillClrLst meth="repeat">
+      <a:schemeClr val="accent6"/>
+    </dgm:fillClrLst>
+    <dgm:linClrLst meth="repeat">
+      <a:schemeClr val="lt1"/>
+    </dgm:linClrLst>
+    <dgm:effectClrLst/>
+    <dgm:txLinClrLst/>
+    <dgm:txFillClrLst/>
+    <dgm:txEffectClrLst/>
+  </dgm:styleLbl>
+  <dgm:styleLbl name="node1">
+    <dgm:fillClrLst meth="repeat">
+      <a:schemeClr val="accent6"/>
+    </dgm:fillClrLst>
+    <dgm:linClrLst meth="repeat">
+      <a:schemeClr val="lt1"/>
+    </dgm:linClrLst>
+    <dgm:effectClrLst/>
+    <dgm:txLinClrLst/>
+    <dgm:txFillClrLst/>
+    <dgm:txEffectClrLst/>
+  </dgm:styleLbl>
+  <dgm:styleLbl name="alignNode1">
+    <dgm:fillClrLst meth="repeat">
+      <a:schemeClr val="accent6"/>
+    </dgm:fillClrLst>
+    <dgm:linClrLst meth="repeat">
+      <a:schemeClr val="accent6"/>
+    </dgm:linClrLst>
+    <dgm:effectClrLst/>
+    <dgm:txLinClrLst/>
+    <dgm:txFillClrLst/>
+    <dgm:txEffectClrLst/>
+  </dgm:styleLbl>
+  <dgm:styleLbl name="lnNode1">
+    <dgm:fillClrLst meth="repeat">
+      <a:schemeClr val="accent6"/>
+    </dgm:fillClrLst>
+    <dgm:linClrLst meth="repeat">
+      <a:schemeClr val="lt1"/>
+    </dgm:linClrLst>
+    <dgm:effectClrLst/>
+    <dgm:txLinClrLst/>
+    <dgm:txFillClrLst/>
+    <dgm:txEffectClrLst/>
+  </dgm:styleLbl>
+  <dgm:styleLbl name="vennNode1">
+    <dgm:fillClrLst meth="repeat">
+      <a:schemeClr val="accent6">
+        <a:alpha val="50000"/>
+      </a:schemeClr>
+    </dgm:fillClrLst>
+    <dgm:linClrLst meth="repeat">
+      <a:schemeClr val="lt1"/>
+    </dgm:linClrLst>
+    <dgm:effectClrLst/>
+    <dgm:txLinClrLst/>
+    <dgm:txFillClrLst/>
+    <dgm:txEffectClrLst/>
+  </dgm:styleLbl>
+  <dgm:styleLbl name="node2">
+    <dgm:fillClrLst meth="repeat">
+      <a:schemeClr val="accent6"/>
+    </dgm:fillClrLst>
+    <dgm:linClrLst meth="repeat">
+      <a:schemeClr val="lt1"/>
+    </dgm:linClrLst>
+    <dgm:effectClrLst/>
+    <dgm:txLinClrLst/>
+    <dgm:txFillClrLst/>
+    <dgm:txEffectClrLst/>
+  </dgm:styleLbl>
+  <dgm:styleLbl name="node3">
+    <dgm:fillClrLst meth="repeat">
+      <a:schemeClr val="accent6"/>
+    </dgm:fillClrLst>
+    <dgm:linClrLst meth="repeat">
+      <a:schemeClr val="lt1"/>
+    </dgm:linClrLst>
+    <dgm:effectClrLst/>
+    <dgm:txLinClrLst/>
+    <dgm:txFillClrLst/>
+    <dgm:txEffectClrLst/>
+  </dgm:styleLbl>
+  <dgm:styleLbl name="node4">
+    <dgm:fillClrLst meth="repeat">
+      <a:schemeClr val="accent6"/>
+    </dgm:fillClrLst>
+    <dgm:linClrLst meth="repeat">
+      <a:schemeClr val="lt1"/>
+    </dgm:linClrLst>
+    <dgm:effectClrLst/>
+    <dgm:txLinClrLst/>
+    <dgm:txFillClrLst/>
+    <dgm:txEffectClrLst/>
+  </dgm:styleLbl>
+  <dgm:styleLbl name="fgImgPlace1">
+    <dgm:fillClrLst meth="repeat">
+      <a:schemeClr val="accent6">
+        <a:tint val="50000"/>
+      </a:schemeClr>
+    </dgm:fillClrLst>
+    <dgm:linClrLst meth="repeat">
+      <a:schemeClr val="lt1"/>
+    </dgm:linClrLst>
+    <dgm:effectClrLst/>
+    <dgm:txLinClrLst/>
+    <dgm:txFillClrLst meth="repeat">
+      <a:schemeClr val="lt1"/>
+    </dgm:txFillClrLst>
+    <dgm:txEffectClrLst/>
+  </dgm:styleLbl>
+  <dgm:styleLbl name="alignImgPlace1">
+    <dgm:fillClrLst meth="repeat">
+      <a:schemeClr val="accent6">
+        <a:tint val="50000"/>
+      </a:schemeClr>
+    </dgm:fillClrLst>
+    <dgm:linClrLst meth="repeat">
+      <a:schemeClr val="lt1"/>
+    </dgm:linClrLst>
+    <dgm:effectClrLst/>
+    <dgm:txLinClrLst/>
+    <dgm:txFillClrLst meth="repeat">
+      <a:schemeClr val="lt1"/>
+    </dgm:txFillClrLst>
+    <dgm:txEffectClrLst/>
+  </dgm:styleLbl>
+  <dgm:styleLbl name="bgImgPlace1">
+    <dgm:fillClrLst meth="repeat">
+      <a:schemeClr val="accent6">
+        <a:tint val="50000"/>
+      </a:schemeClr>
+    </dgm:fillClrLst>
+    <dgm:linClrLst meth="repeat">
+      <a:schemeClr val="lt1"/>
+    </dgm:linClrLst>
+    <dgm:effectClrLst/>
+    <dgm:txLinClrLst/>
+    <dgm:txFillClrLst meth="repeat">
+      <a:schemeClr val="lt1"/>
+    </dgm:txFillClrLst>
+    <dgm:txEffectClrLst/>
+  </dgm:styleLbl>
+  <dgm:styleLbl name="sibTrans2D1">
+    <dgm:fillClrLst meth="repeat">
+      <a:schemeClr val="accent6">
+        <a:tint val="60000"/>
+      </a:schemeClr>
+    </dgm:fillClrLst>
+    <dgm:linClrLst meth="repeat">
+      <a:schemeClr val="accent6">
+        <a:tint val="60000"/>
+      </a:schemeClr>
+    </dgm:linClrLst>
+    <dgm:effectClrLst/>
+    <dgm:txLinClrLst/>
+    <dgm:txFillClrLst/>
+    <dgm:txEffectClrLst/>
+  </dgm:styleLbl>
+  <dgm:styleLbl name="fgSibTrans2D1">
+    <dgm:fillClrLst meth="repeat">
+      <a:schemeClr val="accent6">
+        <a:tint val="60000"/>
+      </a:schemeClr>
+    </dgm:fillClrLst>
+    <dgm:linClrLst meth="repeat">
+      <a:schemeClr val="accent6">
+        <a:tint val="60000"/>
+      </a:schemeClr>
+    </dgm:linClrLst>
+    <dgm:effectClrLst/>
+    <dgm:txLinClrLst/>
+    <dgm:txFillClrLst/>
+    <dgm:txEffectClrLst/>
+  </dgm:styleLbl>
+  <dgm:styleLbl name="bgSibTrans2D1">
+    <dgm:fillClrLst meth="repeat">
+      <a:schemeClr val="accent6">
+        <a:tint val="60000"/>
+      </a:schemeClr>
+    </dgm:fillClrLst>
+    <dgm:linClrLst meth="repeat">
+      <a:schemeClr val="accent6">
+        <a:tint val="60000"/>
+      </a:schemeClr>
+    </dgm:linClrLst>
+    <dgm:effectClrLst/>
+    <dgm:txLinClrLst/>
+    <dgm:txFillClrLst/>
+    <dgm:txEffectClrLst/>
+  </dgm:styleLbl>
+  <dgm:styleLbl name="sibTrans1D1">
+    <dgm:fillClrLst meth="repeat">
+      <a:schemeClr val="accent6"/>
+    </dgm:fillClrLst>
+    <dgm:linClrLst meth="repeat">
+      <a:schemeClr val="accent6"/>
+    </dgm:linClrLst>
+    <dgm:effectClrLst/>
+    <dgm:txLinClrLst/>
+    <dgm:txFillClrLst meth="repeat">
+      <a:schemeClr val="tx1"/>
+    </dgm:txFillClrLst>
+    <dgm:txEffectClrLst/>
+  </dgm:styleLbl>
+  <dgm:styleLbl name="callout">
+    <dgm:fillClrLst meth="repeat">
+      <a:schemeClr val="accent6"/>
+    </dgm:fillClrLst>
+    <dgm:linClrLst meth="repeat">
+      <a:schemeClr val="accent6">
+        <a:tint val="50000"/>
+      </a:schemeClr>
+    </dgm:linClrLst>
+    <dgm:effectClrLst/>
+    <dgm:txLinClrLst/>
+    <dgm:txFillClrLst meth="repeat">
+      <a:schemeClr val="tx1"/>
+    </dgm:txFillClrLst>
+    <dgm:txEffectClrLst/>
+  </dgm:styleLbl>
+  <dgm:styleLbl name="asst0">
+    <dgm:fillClrLst meth="repeat">
+      <a:schemeClr val="accent6"/>
+    </dgm:fillClrLst>
+    <dgm:linClrLst meth="repeat">
+      <a:schemeClr val="lt1"/>
+    </dgm:linClrLst>
+    <dgm:effectClrLst/>
+    <dgm:txLinClrLst/>
+    <dgm:txFillClrLst/>
+    <dgm:txEffectClrLst/>
+  </dgm:styleLbl>
+  <dgm:styleLbl name="asst1">
+    <dgm:fillClrLst meth="repeat">
+      <a:schemeClr val="accent6"/>
+    </dgm:fillClrLst>
+    <dgm:linClrLst meth="repeat">
+      <a:schemeClr val="lt1"/>
+    </dgm:linClrLst>
+    <dgm:effectClrLst/>
+    <dgm:txLinClrLst/>
+    <dgm:txFillClrLst/>
+    <dgm:txEffectClrLst/>
+  </dgm:styleLbl>
+  <dgm:styleLbl name="asst2">
+    <dgm:fillClrLst meth="repeat">
+      <a:schemeClr val="accent6"/>
+    </dgm:fillClrLst>
+    <dgm:linClrLst meth="repeat">
+      <a:schemeClr val="lt1"/>
+    </dgm:linClrLst>
+    <dgm:effectClrLst/>
+    <dgm:txLinClrLst/>
+    <dgm:txFillClrLst/>
+    <dgm:txEffectClrLst/>
+  </dgm:styleLbl>
+  <dgm:styleLbl name="asst3">
+    <dgm:fillClrLst meth="repeat">
+      <a:schemeClr val="accent6"/>
+    </dgm:fillClrLst>
+    <dgm:linClrLst meth="repeat">
+      <a:schemeClr val="lt1"/>
+    </dgm:linClrLst>
+    <dgm:effectClrLst/>
+    <dgm:txLinClrLst/>
+    <dgm:txFillClrLst/>
+    <dgm:txEffectClrLst/>
+  </dgm:styleLbl>
+  <dgm:styleLbl name="asst4">
+    <dgm:fillClrLst meth="repeat">
+      <a:schemeClr val="accent6"/>
+    </dgm:fillClrLst>
+    <dgm:linClrLst meth="repeat">
+      <a:schemeClr val="lt1"/>
+    </dgm:linClrLst>
+    <dgm:effectClrLst/>
+    <dgm:txLinClrLst/>
+    <dgm:txFillClrLst/>
+    <dgm:txEffectClrLst/>
+  </dgm:styleLbl>
+  <dgm:styleLbl name="parChTrans2D1">
+    <dgm:fillClrLst meth="repeat">
+      <a:schemeClr val="accent6">
+        <a:tint val="60000"/>
+      </a:schemeClr>
+    </dgm:fillClrLst>
+    <dgm:linClrLst meth="repeat">
+      <a:schemeClr val="accent6">
+        <a:tint val="60000"/>
+      </a:schemeClr>
+    </dgm:linClrLst>
+    <dgm:effectClrLst/>
+    <dgm:txLinClrLst/>
+    <dgm:txFillClrLst meth="repeat">
+      <a:schemeClr val="lt1"/>
+    </dgm:txFillClrLst>
+    <dgm:txEffectClrLst/>
+  </dgm:styleLbl>
+  <dgm:styleLbl name="parChTrans2D2">
+    <dgm:fillClrLst meth="repeat">
+      <a:schemeClr val="accent6"/>
+    </dgm:fillClrLst>
+    <dgm:linClrLst meth="repeat">
+      <a:schemeClr val="accent6"/>
+    </dgm:linClrLst>
+    <dgm:effectClrLst/>
+    <dgm:txLinClrLst/>
+    <dgm:txFillClrLst meth="repeat">
+      <a:schemeClr val="lt1"/>
+    </dgm:txFillClrLst>
+    <dgm:txEffectClrLst/>
+  </dgm:styleLbl>
+  <dgm:styleLbl name="parChTrans2D3">
+    <dgm:fillClrLst meth="repeat">
+      <a:schemeClr val="accent6"/>
+    </dgm:fillClrLst>
+    <dgm:linClrLst meth="repeat">
+      <a:schemeClr val="accent6"/>
+    </dgm:linClrLst>
+    <dgm:effectClrLst/>
+    <dgm:txLinClrLst/>
+    <dgm:txFillClrLst meth="repeat">
+      <a:schemeClr val="lt1"/>
+    </dgm:txFillClrLst>
+    <dgm:txEffectClrLst/>
+  </dgm:styleLbl>
+  <dgm:styleLbl name="parChTrans2D4">
+    <dgm:fillClrLst meth="repeat">
+      <a:schemeClr val="accent6"/>
+    </dgm:fillClrLst>
+    <dgm:linClrLst meth="repeat">
+      <a:schemeClr val="accent6"/>
+    </dgm:linClrLst>
+    <dgm:effectClrLst/>
+    <dgm:txLinClrLst/>
+    <dgm:txFillClrLst meth="repeat">
+      <a:schemeClr val="lt1"/>
+    </dgm:txFillClrLst>
+    <dgm:txEffectClrLst/>
+  </dgm:styleLbl>
+  <dgm:styleLbl name="parChTrans1D1">
+    <dgm:fillClrLst meth="repeat">
+      <a:schemeClr val="accent6"/>
+    </dgm:fillClrLst>
+    <dgm:linClrLst meth="repeat">
+      <a:schemeClr val="accent6">
+        <a:shade val="60000"/>
+      </a:schemeClr>
+    </dgm:linClrLst>
+    <dgm:effectClrLst/>
+    <dgm:txLinClrLst/>
+    <dgm:txFillClrLst meth="repeat">
+      <a:schemeClr val="tx1"/>
+    </dgm:txFillClrLst>
+    <dgm:txEffectClrLst/>
+  </dgm:styleLbl>
+  <dgm:styleLbl name="parChTrans1D2">
+    <dgm:fillClrLst meth="repeat">
+      <a:schemeClr val="accent6"/>
+    </dgm:fillClrLst>
+    <dgm:linClrLst meth="repeat">
+      <a:schemeClr val="accent6">
+        <a:shade val="60000"/>
+      </a:schemeClr>
+    </dgm:linClrLst>
+    <dgm:effectClrLst/>
+    <dgm:txLinClrLst/>
+    <dgm:txFillClrLst meth="repeat">
+      <a:schemeClr val="tx1"/>
+    </dgm:txFillClrLst>
+    <dgm:txEffectClrLst/>
+  </dgm:styleLbl>
+  <dgm:styleLbl name="parChTrans1D3">
+    <dgm:fillClrLst meth="repeat">
+      <a:schemeClr val="accent6"/>
+    </dgm:fillClrLst>
+    <dgm:linClrLst meth="repeat">
+      <a:schemeClr val="accent6">
+        <a:shade val="80000"/>
+      </a:schemeClr>
+    </dgm:linClrLst>
+    <dgm:effectClrLst/>
+    <dgm:txLinClrLst/>
+    <dgm:txFillClrLst meth="repeat">
+      <a:schemeClr val="tx1"/>
+    </dgm:txFillClrLst>
+    <dgm:txEffectClrLst/>
+  </dgm:styleLbl>
+  <dgm:styleLbl name="parChTrans1D4">
+    <dgm:fillClrLst meth="repeat">
+      <a:schemeClr val="accent6"/>
+    </dgm:fillClrLst>
+    <dgm:linClrLst meth="repeat">
+      <a:schemeClr val="accent6">
+        <a:shade val="80000"/>
+      </a:schemeClr>
+    </dgm:linClrLst>
+    <dgm:effectClrLst/>
+    <dgm:txLinClrLst/>
+    <dgm:txFillClrLst meth="repeat">
+      <a:schemeClr val="tx1"/>
+    </dgm:txFillClrLst>
+    <dgm:txEffectClrLst/>
+  </dgm:styleLbl>
+  <dgm:styleLbl name="fgAcc1">
+    <dgm:fillClrLst meth="repeat">
+      <a:schemeClr val="lt1">
+        <a:alpha val="90000"/>
+      </a:schemeClr>
+    </dgm:fillClrLst>
+    <dgm:linClrLst meth="repeat">
+      <a:schemeClr val="accent6"/>
+    </dgm:linClrLst>
+    <dgm:effectClrLst/>
+    <dgm:txLinClrLst/>
+    <dgm:txFillClrLst meth="repeat">
+      <a:schemeClr val="dk1"/>
+    </dgm:txFillClrLst>
+    <dgm:txEffectClrLst/>
+  </dgm:styleLbl>
+  <dgm:styleLbl name="conFgAcc1">
+    <dgm:fillClrLst meth="repeat">
+      <a:schemeClr val="lt1">
+        <a:alpha val="90000"/>
+      </a:schemeClr>
+    </dgm:fillClrLst>
+    <dgm:linClrLst meth="repeat">
+      <a:schemeClr val="accent6"/>
+    </dgm:linClrLst>
+    <dgm:effectClrLst/>
+    <dgm:txLinClrLst/>
+    <dgm:txFillClrLst meth="repeat">
+      <a:schemeClr val="dk1"/>
+    </dgm:txFillClrLst>
+    <dgm:txEffectClrLst/>
+  </dgm:styleLbl>
+  <dgm:styleLbl name="alignAcc1">
+    <dgm:fillClrLst meth="repeat">
+      <a:schemeClr val="lt1">
+        <a:alpha val="90000"/>
+      </a:schemeClr>
+    </dgm:fillClrLst>
+    <dgm:linClrLst meth="repeat">
+      <a:schemeClr val="accent6"/>
+    </dgm:linClrLst>
+    <dgm:effectClrLst/>
+    <dgm:txLinClrLst/>
+    <dgm:txFillClrLst meth="repeat">
+      <a:schemeClr val="dk1"/>
+    </dgm:txFillClrLst>
+    <dgm:txEffectClrLst/>
+  </dgm:styleLbl>
+  <dgm:styleLbl name="trAlignAcc1">
+    <dgm:fillClrLst meth="repeat">
+      <a:schemeClr val="lt1">
+        <a:alpha val="40000"/>
+      </a:schemeClr>
+    </dgm:fillClrLst>
+    <dgm:linClrLst meth="repeat">
+      <a:schemeClr val="accent6"/>
+    </dgm:linClrLst>
+    <dgm:effectClrLst/>
+    <dgm:txLinClrLst/>
+    <dgm:txFillClrLst meth="repeat">
+      <a:schemeClr val="dk1"/>
+    </dgm:txFillClrLst>
+    <dgm:txEffectClrLst/>
+  </dgm:styleLbl>
+  <dgm:styleLbl name="bgAcc1">
+    <dgm:fillClrLst meth="repeat">
+      <a:schemeClr val="lt1">
+        <a:alpha val="90000"/>
+      </a:schemeClr>
+    </dgm:fillClrLst>
+    <dgm:linClrLst meth="repeat">
+      <a:schemeClr val="accent6"/>
+    </dgm:linClrLst>
+    <dgm:effectClrLst/>
+    <dgm:txLinClrLst/>
+    <dgm:txFillClrLst meth="repeat">
+      <a:schemeClr val="dk1"/>
+    </dgm:txFillClrLst>
+    <dgm:txEffectClrLst/>
+  </dgm:styleLbl>
+  <dgm:styleLbl name="solidFgAcc1">
+    <dgm:fillClrLst meth="repeat">
+      <a:schemeClr val="lt1"/>
+    </dgm:fillClrLst>
+    <dgm:linClrLst meth="repeat">
+      <a:schemeClr val="accent6"/>
+    </dgm:linClrLst>
+    <dgm:effectClrLst/>
+    <dgm:txLinClrLst/>
+    <dgm:txFillClrLst meth="repeat">
+      <a:schemeClr val="dk1"/>
+    </dgm:txFillClrLst>
+    <dgm:txEffectClrLst/>
+  </dgm:styleLbl>
+  <dgm:styleLbl name="solidAlignAcc1">
+    <dgm:fillClrLst meth="repeat">
+      <a:schemeClr val="lt1"/>
+    </dgm:fillClrLst>
+    <dgm:linClrLst meth="repeat">
+      <a:schemeClr val="accent6"/>
+    </dgm:linClrLst>
+    <dgm:effectClrLst/>
+    <dgm:txLinClrLst/>
+    <dgm:txFillClrLst meth="repeat">
+      <a:schemeClr val="dk1"/>
+    </dgm:txFillClrLst>
+    <dgm:txEffectClrLst/>
+  </dgm:styleLbl>
+  <dgm:styleLbl name="solidBgAcc1">
+    <dgm:fillClrLst meth="repeat">
+      <a:schemeClr val="lt1"/>
+    </dgm:fillClrLst>
+    <dgm:linClrLst meth="repeat">
+      <a:schemeClr val="accent6"/>
+    </dgm:linClrLst>
+    <dgm:effectClrLst/>
+    <dgm:txLinClrLst/>
+    <dgm:txFillClrLst meth="repeat">
+      <a:schemeClr val="dk1"/>
+    </dgm:txFillClrLst>
+    <dgm:txEffectClrLst/>
+  </dgm:styleLbl>
+  <dgm:styleLbl name="fgAccFollowNode1">
+    <dgm:fillClrLst meth="repeat">
+      <a:schemeClr val="accent6">
+        <a:alpha val="90000"/>
+        <a:tint val="40000"/>
+      </a:schemeClr>
+    </dgm:fillClrLst>
+    <dgm:linClrLst meth="repeat">
+      <a:schemeClr val="accent6">
+        <a:alpha val="90000"/>
+        <a:tint val="40000"/>
+      </a:schemeClr>
+    </dgm:linClrLst>
+    <dgm:effectClrLst/>
+    <dgm:txLinClrLst/>
+    <dgm:txFillClrLst meth="repeat">
+      <a:schemeClr val="dk1"/>
+    </dgm:txFillClrLst>
+    <dgm:txEffectClrLst/>
+  </dgm:styleLbl>
+  <dgm:styleLbl name="alignAccFollowNode1">
+    <dgm:fillClrLst meth="repeat">
+      <a:schemeClr val="accent6">
+        <a:alpha val="90000"/>
+        <a:tint val="40000"/>
+      </a:schemeClr>
+    </dgm:fillClrLst>
+    <dgm:linClrLst meth="repeat">
+      <a:schemeClr val="accent6">
+        <a:alpha val="90000"/>
+        <a:tint val="40000"/>
+      </a:schemeClr>
+    </dgm:linClrLst>
+    <dgm:effectClrLst/>
+    <dgm:txLinClrLst/>
+    <dgm:txFillClrLst meth="repeat">
+      <a:schemeClr val="dk1"/>
+    </dgm:txFillClrLst>
+    <dgm:txEffectClrLst/>
+  </dgm:styleLbl>
+  <dgm:styleLbl name="bgAccFollowNode1">
+    <dgm:fillClrLst meth="repeat">
+      <a:schemeClr val="accent6">
+        <a:alpha val="90000"/>
+        <a:tint val="40000"/>
+      </a:schemeClr>
+    </dgm:fillClrLst>
+    <dgm:linClrLst meth="repeat">
+      <a:schemeClr val="accent6">
+        <a:alpha val="90000"/>
+        <a:tint val="40000"/>
+      </a:schemeClr>
+    </dgm:linClrLst>
+    <dgm:effectClrLst/>
+    <dgm:txLinClrLst/>
+    <dgm:txFillClrLst meth="repeat">
+      <a:schemeClr val="dk1"/>
+    </dgm:txFillClrLst>
+    <dgm:txEffectClrLst/>
+  </dgm:styleLbl>
+  <dgm:styleLbl name="fgAcc0">
+    <dgm:fillClrLst meth="repeat">
+      <a:schemeClr val="lt1">
+        <a:alpha val="90000"/>
+      </a:schemeClr>
+    </dgm:fillClrLst>
+    <dgm:linClrLst meth="repeat">
+      <a:schemeClr val="accent6"/>
+    </dgm:linClrLst>
+    <dgm:effectClrLst/>
+    <dgm:txLinClrLst/>
+    <dgm:txFillClrLst meth="repeat">
+      <a:schemeClr val="dk1"/>
+    </dgm:txFillClrLst>
+    <dgm:txEffectClrLst/>
+  </dgm:styleLbl>
+  <dgm:styleLbl name="fgAcc2">
+    <dgm:fillClrLst meth="repeat">
+      <a:schemeClr val="lt1">
+        <a:alpha val="90000"/>
+      </a:schemeClr>
+    </dgm:fillClrLst>
+    <dgm:linClrLst meth="repeat">
+      <a:schemeClr val="accent6"/>
+    </dgm:linClrLst>
+    <dgm:effectClrLst/>
+    <dgm:txLinClrLst/>
+    <dgm:txFillClrLst meth="repeat">
+      <a:schemeClr val="dk1"/>
+    </dgm:txFillClrLst>
+    <dgm:txEffectClrLst/>
+  </dgm:styleLbl>
+  <dgm:styleLbl name="fgAcc3">
+    <dgm:fillClrLst meth="repeat">
+      <a:schemeClr val="lt1">
+        <a:alpha val="90000"/>
+      </a:schemeClr>
+    </dgm:fillClrLst>
+    <dgm:linClrLst meth="repeat">
+      <a:schemeClr val="accent6"/>
+    </dgm:linClrLst>
+    <dgm:effectClrLst/>
+    <dgm:txLinClrLst/>
+    <dgm:txFillClrLst meth="repeat">
+      <a:schemeClr val="dk1"/>
+    </dgm:txFillClrLst>
+    <dgm:txEffectClrLst/>
+  </dgm:styleLbl>
+  <dgm:styleLbl name="fgAcc4">
+    <dgm:fillClrLst meth="repeat">
+      <a:schemeClr val="lt1">
+        <a:alpha val="90000"/>
+      </a:schemeClr>
+    </dgm:fillClrLst>
+    <dgm:linClrLst meth="repeat">
+      <a:schemeClr val="accent6"/>
+    </dgm:linClrLst>
+    <dgm:effectClrLst/>
+    <dgm:txLinClrLst/>
+    <dgm:txFillClrLst meth="repeat">
+      <a:schemeClr val="dk1"/>
+    </dgm:txFillClrLst>
+    <dgm:txEffectClrLst/>
+  </dgm:styleLbl>
+  <dgm:styleLbl name="bgShp">
+    <dgm:fillClrLst meth="repeat">
+      <a:schemeClr val="accent6">
+        <a:tint val="40000"/>
+      </a:schemeClr>
+    </dgm:fillClrLst>
+    <dgm:linClrLst meth="repeat">
+      <a:schemeClr val="accent6"/>
+    </dgm:linClrLst>
+    <dgm:effectClrLst/>
+    <dgm:txLinClrLst/>
+    <dgm:txFillClrLst meth="repeat">
+      <a:schemeClr val="dk1"/>
+    </dgm:txFillClrLst>
+    <dgm:txEffectClrLst/>
+  </dgm:styleLbl>
+  <dgm:styleLbl name="dkBgShp">
+    <dgm:fillClrLst meth="repeat">
+      <a:schemeClr val="accent6">
+        <a:shade val="80000"/>
+      </a:schemeClr>
+    </dgm:fillClrLst>
+    <dgm:linClrLst meth="repeat">
+      <a:schemeClr val="accent6"/>
+    </dgm:linClrLst>
+    <dgm:effectClrLst/>
+    <dgm:txLinClrLst/>
+    <dgm:txFillClrLst meth="repeat">
+      <a:schemeClr val="lt1"/>
+    </dgm:txFillClrLst>
+    <dgm:txEffectClrLst/>
+  </dgm:styleLbl>
+  <dgm:styleLbl name="trBgShp">
+    <dgm:fillClrLst meth="repeat">
+      <a:schemeClr val="accent6">
+        <a:tint val="50000"/>
+        <a:alpha val="40000"/>
+      </a:schemeClr>
+    </dgm:fillClrLst>
+    <dgm:linClrLst meth="repeat">
+      <a:schemeClr val="accent6"/>
+    </dgm:linClrLst>
+    <dgm:effectClrLst/>
+    <dgm:txLinClrLst/>
+    <dgm:txFillClrLst meth="repeat">
+      <a:schemeClr val="lt1"/>
+    </dgm:txFillClrLst>
+    <dgm:txEffectClrLst/>
+  </dgm:styleLbl>
+  <dgm:styleLbl name="fgShp">
+    <dgm:fillClrLst meth="repeat">
+      <a:schemeClr val="accent6">
+        <a:tint val="60000"/>
+      </a:schemeClr>
+    </dgm:fillClrLst>
+    <dgm:linClrLst meth="repeat">
+      <a:schemeClr val="lt1"/>
+    </dgm:linClrLst>
+    <dgm:effectClrLst/>
+    <dgm:txLinClrLst/>
+    <dgm:txFillClrLst meth="repeat">
+      <a:schemeClr val="dk1"/>
+    </dgm:txFillClrLst>
+    <dgm:txEffectClrLst/>
+  </dgm:styleLbl>
+  <dgm:styleLbl name="revTx">
+    <dgm:fillClrLst meth="repeat">
+      <a:schemeClr val="lt1">
+        <a:alpha val="0"/>
+      </a:schemeClr>
+    </dgm:fillClrLst>
+    <dgm:linClrLst meth="repeat">
+      <a:schemeClr val="dk1">
+        <a:alpha val="0"/>
+      </a:schemeClr>
+    </dgm:linClrLst>
+    <dgm:effectClrLst/>
+    <dgm:txLinClrLst/>
+    <dgm:txFillClrLst meth="repeat">
+      <a:schemeClr val="tx1"/>
+    </dgm:txFillClrLst>
+    <dgm:txEffectClrLst/>
+  </dgm:styleLbl>
+</dgm:colorsDef>
+</file>
+
+<file path=ppt/diagrams/data1.xml><?xml version="1.0" encoding="utf-8"?>
+<dgm:dataModel xmlns:dgm="http://schemas.openxmlformats.org/drawingml/2006/diagram" xmlns:a="http://schemas.openxmlformats.org/drawingml/2006/main">
+  <dgm:ptLst>
+    <dgm:pt modelId="{328D3765-27EB-4C21-BA3B-28F26AC21FAD}" type="doc">
+      <dgm:prSet loTypeId="urn:microsoft.com/office/officeart/2005/8/layout/process1" loCatId="process" qsTypeId="urn:microsoft.com/office/officeart/2005/8/quickstyle/simple3" qsCatId="simple" csTypeId="urn:microsoft.com/office/officeart/2005/8/colors/accent6_2" csCatId="accent6" phldr="1"/>
+      <dgm:spPr/>
+    </dgm:pt>
+    <dgm:pt modelId="{D21F7E6A-275C-476C-9B4D-6134446AEB53}">
+      <dgm:prSet phldrT="[Texto]"/>
+      <dgm:spPr/>
+      <dgm:t>
+        <a:bodyPr/>
+        <a:lstStyle/>
+        <a:p>
+          <a:r>
+            <a:rPr lang="fr-FR" dirty="0" smtClean="0">
+              <a:latin typeface="Baskerville Old Face" panose="02020602080505020303" pitchFamily="18" charset="0"/>
+            </a:rPr>
+            <a:t>SLA derivation</a:t>
+          </a:r>
+          <a:endParaRPr lang="fr-FR" dirty="0">
+            <a:latin typeface="Baskerville Old Face" panose="02020602080505020303" pitchFamily="18" charset="0"/>
+          </a:endParaRPr>
+        </a:p>
+      </dgm:t>
+    </dgm:pt>
+    <dgm:pt modelId="{E06E7012-B8CD-4C49-9261-DDC2AEDAE73D}" type="parTrans" cxnId="{671A7153-D502-478A-829D-FCBB4B8F3A01}">
+      <dgm:prSet/>
+      <dgm:spPr/>
+      <dgm:t>
+        <a:bodyPr/>
+        <a:lstStyle/>
+        <a:p>
+          <a:endParaRPr lang="fr-FR"/>
+        </a:p>
+      </dgm:t>
+    </dgm:pt>
+    <dgm:pt modelId="{6AA02E1C-69F5-4798-BF67-D797F4429F3E}" type="sibTrans" cxnId="{671A7153-D502-478A-829D-FCBB4B8F3A01}">
+      <dgm:prSet/>
+      <dgm:spPr/>
+      <dgm:t>
+        <a:bodyPr/>
+        <a:lstStyle/>
+        <a:p>
+          <a:endParaRPr lang="fr-FR"/>
+        </a:p>
+      </dgm:t>
+    </dgm:pt>
+    <dgm:pt modelId="{ACEE16E3-3F49-4474-8A5E-EC47944E9566}">
+      <dgm:prSet phldrT="[Texto]"/>
+      <dgm:spPr/>
+      <dgm:t>
+        <a:bodyPr/>
+        <a:lstStyle/>
+        <a:p>
+          <a:r>
+            <a:rPr lang="fr-FR" dirty="0" smtClean="0">
+              <a:latin typeface="Baskerville Old Face" panose="02020602080505020303" pitchFamily="18" charset="0"/>
+            </a:rPr>
+            <a:t>Filtering data services</a:t>
+          </a:r>
+          <a:endParaRPr lang="fr-FR" dirty="0">
+            <a:latin typeface="Baskerville Old Face" panose="02020602080505020303" pitchFamily="18" charset="0"/>
+          </a:endParaRPr>
+        </a:p>
+      </dgm:t>
+    </dgm:pt>
+    <dgm:pt modelId="{E53DCA42-C7BE-4A90-8354-CCBDD52CC479}" type="parTrans" cxnId="{DE2E9DE8-E66A-46A8-A4FF-712C9BD9DFEA}">
+      <dgm:prSet/>
+      <dgm:spPr/>
+      <dgm:t>
+        <a:bodyPr/>
+        <a:lstStyle/>
+        <a:p>
+          <a:endParaRPr lang="fr-FR"/>
+        </a:p>
+      </dgm:t>
+    </dgm:pt>
+    <dgm:pt modelId="{5198DF5E-B9D4-4654-ADC6-1D9E629A6B67}" type="sibTrans" cxnId="{DE2E9DE8-E66A-46A8-A4FF-712C9BD9DFEA}">
+      <dgm:prSet/>
+      <dgm:spPr/>
+      <dgm:t>
+        <a:bodyPr/>
+        <a:lstStyle/>
+        <a:p>
+          <a:endParaRPr lang="fr-FR"/>
+        </a:p>
+      </dgm:t>
+    </dgm:pt>
+    <dgm:pt modelId="{6663A8F1-C3F9-4B0E-8D92-D7A072089205}">
+      <dgm:prSet phldrT="[Texto]"/>
+      <dgm:spPr/>
+      <dgm:t>
+        <a:bodyPr/>
+        <a:lstStyle/>
+        <a:p>
+          <a:r>
+            <a:rPr lang="fr-FR" dirty="0" smtClean="0">
+              <a:latin typeface="Baskerville Old Face" panose="02020602080505020303" pitchFamily="18" charset="0"/>
+            </a:rPr>
+            <a:t>Query rewriting</a:t>
+          </a:r>
+          <a:endParaRPr lang="fr-FR" dirty="0">
+            <a:latin typeface="Baskerville Old Face" panose="02020602080505020303" pitchFamily="18" charset="0"/>
+          </a:endParaRPr>
+        </a:p>
+      </dgm:t>
+    </dgm:pt>
+    <dgm:pt modelId="{E870122A-F193-4B73-8CD0-78161674E7B5}" type="parTrans" cxnId="{03314396-C116-46B6-BA27-AE73570B303C}">
+      <dgm:prSet/>
+      <dgm:spPr/>
+      <dgm:t>
+        <a:bodyPr/>
+        <a:lstStyle/>
+        <a:p>
+          <a:endParaRPr lang="fr-FR"/>
+        </a:p>
+      </dgm:t>
+    </dgm:pt>
+    <dgm:pt modelId="{1BE8E50E-BF4C-41CF-82FD-46965C915C0A}" type="sibTrans" cxnId="{03314396-C116-46B6-BA27-AE73570B303C}">
+      <dgm:prSet/>
+      <dgm:spPr/>
+      <dgm:t>
+        <a:bodyPr/>
+        <a:lstStyle/>
+        <a:p>
+          <a:endParaRPr lang="fr-FR"/>
+        </a:p>
+      </dgm:t>
+    </dgm:pt>
+    <dgm:pt modelId="{1A30EF5B-FEA5-476D-B964-7FC805E7C5F5}">
+      <dgm:prSet phldrT="[Texto]"/>
+      <dgm:spPr/>
+      <dgm:t>
+        <a:bodyPr/>
+        <a:lstStyle/>
+        <a:p>
+          <a:r>
+            <a:rPr lang="fr-FR" dirty="0" smtClean="0">
+              <a:latin typeface="Baskerville Old Face" panose="02020602080505020303" pitchFamily="18" charset="0"/>
+            </a:rPr>
+            <a:t>Integrating a query result</a:t>
+          </a:r>
+          <a:endParaRPr lang="fr-FR" dirty="0">
+            <a:latin typeface="Baskerville Old Face" panose="02020602080505020303" pitchFamily="18" charset="0"/>
+          </a:endParaRPr>
+        </a:p>
+      </dgm:t>
+    </dgm:pt>
+    <dgm:pt modelId="{7D77198C-427F-4F2E-837A-D95780720675}" type="parTrans" cxnId="{A988AECA-5C17-4F33-8227-A1E8160E6252}">
+      <dgm:prSet/>
+      <dgm:spPr/>
+      <dgm:t>
+        <a:bodyPr/>
+        <a:lstStyle/>
+        <a:p>
+          <a:endParaRPr lang="fr-FR"/>
+        </a:p>
+      </dgm:t>
+    </dgm:pt>
+    <dgm:pt modelId="{09C4932F-4BCE-498B-9F93-21258C787B93}" type="sibTrans" cxnId="{A988AECA-5C17-4F33-8227-A1E8160E6252}">
+      <dgm:prSet/>
+      <dgm:spPr/>
+      <dgm:t>
+        <a:bodyPr/>
+        <a:lstStyle/>
+        <a:p>
+          <a:endParaRPr lang="fr-FR"/>
+        </a:p>
+      </dgm:t>
+    </dgm:pt>
+    <dgm:pt modelId="{7B3AD497-8FE0-4413-8DEB-6D5573378452}" type="pres">
+      <dgm:prSet presAssocID="{328D3765-27EB-4C21-BA3B-28F26AC21FAD}" presName="Name0" presStyleCnt="0">
+        <dgm:presLayoutVars>
+          <dgm:dir/>
+          <dgm:resizeHandles val="exact"/>
+        </dgm:presLayoutVars>
+      </dgm:prSet>
+      <dgm:spPr/>
+    </dgm:pt>
+    <dgm:pt modelId="{DB0503BE-FD00-4DA6-8EF6-71B19889EB76}" type="pres">
+      <dgm:prSet presAssocID="{D21F7E6A-275C-476C-9B4D-6134446AEB53}" presName="node" presStyleLbl="node1" presStyleIdx="0" presStyleCnt="4">
+        <dgm:presLayoutVars>
+          <dgm:bulletEnabled val="1"/>
+        </dgm:presLayoutVars>
+      </dgm:prSet>
+      <dgm:spPr/>
+      <dgm:t>
+        <a:bodyPr/>
+        <a:lstStyle/>
+        <a:p>
+          <a:endParaRPr lang="fr-FR"/>
+        </a:p>
+      </dgm:t>
+    </dgm:pt>
+    <dgm:pt modelId="{498AC065-BCB2-4443-AD8F-7E0563B6FF4C}" type="pres">
+      <dgm:prSet presAssocID="{6AA02E1C-69F5-4798-BF67-D797F4429F3E}" presName="sibTrans" presStyleLbl="sibTrans2D1" presStyleIdx="0" presStyleCnt="3"/>
+      <dgm:spPr/>
+    </dgm:pt>
+    <dgm:pt modelId="{7E5E7DDA-8DD5-447C-86DD-80ED479CC906}" type="pres">
+      <dgm:prSet presAssocID="{6AA02E1C-69F5-4798-BF67-D797F4429F3E}" presName="connectorText" presStyleLbl="sibTrans2D1" presStyleIdx="0" presStyleCnt="3"/>
+      <dgm:spPr/>
+    </dgm:pt>
+    <dgm:pt modelId="{2AA5540F-F922-4670-BF5A-65AAE159FEEE}" type="pres">
+      <dgm:prSet presAssocID="{ACEE16E3-3F49-4474-8A5E-EC47944E9566}" presName="node" presStyleLbl="node1" presStyleIdx="1" presStyleCnt="4">
+        <dgm:presLayoutVars>
+          <dgm:bulletEnabled val="1"/>
+        </dgm:presLayoutVars>
+      </dgm:prSet>
+      <dgm:spPr/>
+      <dgm:t>
+        <a:bodyPr/>
+        <a:lstStyle/>
+        <a:p>
+          <a:endParaRPr lang="fr-FR"/>
+        </a:p>
+      </dgm:t>
+    </dgm:pt>
+    <dgm:pt modelId="{FD351909-1F04-4E4E-A8A8-8DD592CBEEC7}" type="pres">
+      <dgm:prSet presAssocID="{5198DF5E-B9D4-4654-ADC6-1D9E629A6B67}" presName="sibTrans" presStyleLbl="sibTrans2D1" presStyleIdx="1" presStyleCnt="3"/>
+      <dgm:spPr/>
+    </dgm:pt>
+    <dgm:pt modelId="{5D17A8D2-7B41-46E1-B341-FE90E17D9DB5}" type="pres">
+      <dgm:prSet presAssocID="{5198DF5E-B9D4-4654-ADC6-1D9E629A6B67}" presName="connectorText" presStyleLbl="sibTrans2D1" presStyleIdx="1" presStyleCnt="3"/>
+      <dgm:spPr/>
+    </dgm:pt>
+    <dgm:pt modelId="{918C5D37-DB73-4EBF-938B-8712F1897E56}" type="pres">
+      <dgm:prSet presAssocID="{6663A8F1-C3F9-4B0E-8D92-D7A072089205}" presName="node" presStyleLbl="node1" presStyleIdx="2" presStyleCnt="4">
+        <dgm:presLayoutVars>
+          <dgm:bulletEnabled val="1"/>
+        </dgm:presLayoutVars>
+      </dgm:prSet>
+      <dgm:spPr/>
+      <dgm:t>
+        <a:bodyPr/>
+        <a:lstStyle/>
+        <a:p>
+          <a:endParaRPr lang="fr-FR"/>
+        </a:p>
+      </dgm:t>
+    </dgm:pt>
+    <dgm:pt modelId="{4906BAEA-A1F4-4222-A001-500E45F62E4F}" type="pres">
+      <dgm:prSet presAssocID="{1BE8E50E-BF4C-41CF-82FD-46965C915C0A}" presName="sibTrans" presStyleLbl="sibTrans2D1" presStyleIdx="2" presStyleCnt="3"/>
+      <dgm:spPr/>
+    </dgm:pt>
+    <dgm:pt modelId="{1BE1617C-071C-44F0-A132-96178C776FC8}" type="pres">
+      <dgm:prSet presAssocID="{1BE8E50E-BF4C-41CF-82FD-46965C915C0A}" presName="connectorText" presStyleLbl="sibTrans2D1" presStyleIdx="2" presStyleCnt="3"/>
+      <dgm:spPr/>
+    </dgm:pt>
+    <dgm:pt modelId="{CCC15C84-9411-4A72-8AF0-6308D9EC86FB}" type="pres">
+      <dgm:prSet presAssocID="{1A30EF5B-FEA5-476D-B964-7FC805E7C5F5}" presName="node" presStyleLbl="node1" presStyleIdx="3" presStyleCnt="4">
+        <dgm:presLayoutVars>
+          <dgm:bulletEnabled val="1"/>
+        </dgm:presLayoutVars>
+      </dgm:prSet>
+      <dgm:spPr/>
+    </dgm:pt>
+  </dgm:ptLst>
+  <dgm:cxnLst>
+    <dgm:cxn modelId="{BEA48B43-C9DA-44BF-BDF9-A14DCA7BF3F5}" type="presOf" srcId="{6663A8F1-C3F9-4B0E-8D92-D7A072089205}" destId="{918C5D37-DB73-4EBF-938B-8712F1897E56}" srcOrd="0" destOrd="0" presId="urn:microsoft.com/office/officeart/2005/8/layout/process1"/>
+    <dgm:cxn modelId="{DE2E9DE8-E66A-46A8-A4FF-712C9BD9DFEA}" srcId="{328D3765-27EB-4C21-BA3B-28F26AC21FAD}" destId="{ACEE16E3-3F49-4474-8A5E-EC47944E9566}" srcOrd="1" destOrd="0" parTransId="{E53DCA42-C7BE-4A90-8354-CCBDD52CC479}" sibTransId="{5198DF5E-B9D4-4654-ADC6-1D9E629A6B67}"/>
+    <dgm:cxn modelId="{26BDD81B-CE04-4EDA-8131-96C24FDB2710}" type="presOf" srcId="{5198DF5E-B9D4-4654-ADC6-1D9E629A6B67}" destId="{FD351909-1F04-4E4E-A8A8-8DD592CBEEC7}" srcOrd="0" destOrd="0" presId="urn:microsoft.com/office/officeart/2005/8/layout/process1"/>
+    <dgm:cxn modelId="{6F4E625A-F5A6-481F-8A3E-762A34345675}" type="presOf" srcId="{6AA02E1C-69F5-4798-BF67-D797F4429F3E}" destId="{498AC065-BCB2-4443-AD8F-7E0563B6FF4C}" srcOrd="0" destOrd="0" presId="urn:microsoft.com/office/officeart/2005/8/layout/process1"/>
+    <dgm:cxn modelId="{6E3F7158-2330-4C26-AB01-22A6293B17BA}" type="presOf" srcId="{5198DF5E-B9D4-4654-ADC6-1D9E629A6B67}" destId="{5D17A8D2-7B41-46E1-B341-FE90E17D9DB5}" srcOrd="1" destOrd="0" presId="urn:microsoft.com/office/officeart/2005/8/layout/process1"/>
+    <dgm:cxn modelId="{E5B8B3AD-70F7-4394-B570-86C00FD5BEDD}" type="presOf" srcId="{1A30EF5B-FEA5-476D-B964-7FC805E7C5F5}" destId="{CCC15C84-9411-4A72-8AF0-6308D9EC86FB}" srcOrd="0" destOrd="0" presId="urn:microsoft.com/office/officeart/2005/8/layout/process1"/>
+    <dgm:cxn modelId="{AFE55212-7EDE-4931-9962-771690414FB5}" type="presOf" srcId="{D21F7E6A-275C-476C-9B4D-6134446AEB53}" destId="{DB0503BE-FD00-4DA6-8EF6-71B19889EB76}" srcOrd="0" destOrd="0" presId="urn:microsoft.com/office/officeart/2005/8/layout/process1"/>
+    <dgm:cxn modelId="{64B67B76-5AA9-4CCD-9961-9D2125177CDD}" type="presOf" srcId="{6AA02E1C-69F5-4798-BF67-D797F4429F3E}" destId="{7E5E7DDA-8DD5-447C-86DD-80ED479CC906}" srcOrd="1" destOrd="0" presId="urn:microsoft.com/office/officeart/2005/8/layout/process1"/>
+    <dgm:cxn modelId="{03314396-C116-46B6-BA27-AE73570B303C}" srcId="{328D3765-27EB-4C21-BA3B-28F26AC21FAD}" destId="{6663A8F1-C3F9-4B0E-8D92-D7A072089205}" srcOrd="2" destOrd="0" parTransId="{E870122A-F193-4B73-8CD0-78161674E7B5}" sibTransId="{1BE8E50E-BF4C-41CF-82FD-46965C915C0A}"/>
+    <dgm:cxn modelId="{F6599CB4-E983-4177-B234-8B5FE0E09FAB}" type="presOf" srcId="{ACEE16E3-3F49-4474-8A5E-EC47944E9566}" destId="{2AA5540F-F922-4670-BF5A-65AAE159FEEE}" srcOrd="0" destOrd="0" presId="urn:microsoft.com/office/officeart/2005/8/layout/process1"/>
+    <dgm:cxn modelId="{20B91841-C19B-4A0B-9CA3-C0FD32A2D139}" type="presOf" srcId="{328D3765-27EB-4C21-BA3B-28F26AC21FAD}" destId="{7B3AD497-8FE0-4413-8DEB-6D5573378452}" srcOrd="0" destOrd="0" presId="urn:microsoft.com/office/officeart/2005/8/layout/process1"/>
+    <dgm:cxn modelId="{9C558A8A-B893-49A4-8B84-7365A1582CD7}" type="presOf" srcId="{1BE8E50E-BF4C-41CF-82FD-46965C915C0A}" destId="{1BE1617C-071C-44F0-A132-96178C776FC8}" srcOrd="1" destOrd="0" presId="urn:microsoft.com/office/officeart/2005/8/layout/process1"/>
+    <dgm:cxn modelId="{A988AECA-5C17-4F33-8227-A1E8160E6252}" srcId="{328D3765-27EB-4C21-BA3B-28F26AC21FAD}" destId="{1A30EF5B-FEA5-476D-B964-7FC805E7C5F5}" srcOrd="3" destOrd="0" parTransId="{7D77198C-427F-4F2E-837A-D95780720675}" sibTransId="{09C4932F-4BCE-498B-9F93-21258C787B93}"/>
+    <dgm:cxn modelId="{671A7153-D502-478A-829D-FCBB4B8F3A01}" srcId="{328D3765-27EB-4C21-BA3B-28F26AC21FAD}" destId="{D21F7E6A-275C-476C-9B4D-6134446AEB53}" srcOrd="0" destOrd="0" parTransId="{E06E7012-B8CD-4C49-9261-DDC2AEDAE73D}" sibTransId="{6AA02E1C-69F5-4798-BF67-D797F4429F3E}"/>
+    <dgm:cxn modelId="{C578D4E5-06C5-40E9-9FA3-305E78E35A90}" type="presOf" srcId="{1BE8E50E-BF4C-41CF-82FD-46965C915C0A}" destId="{4906BAEA-A1F4-4222-A001-500E45F62E4F}" srcOrd="0" destOrd="0" presId="urn:microsoft.com/office/officeart/2005/8/layout/process1"/>
+    <dgm:cxn modelId="{65A510F4-89D4-4211-B519-0A39B803EFCE}" type="presParOf" srcId="{7B3AD497-8FE0-4413-8DEB-6D5573378452}" destId="{DB0503BE-FD00-4DA6-8EF6-71B19889EB76}" srcOrd="0" destOrd="0" presId="urn:microsoft.com/office/officeart/2005/8/layout/process1"/>
+    <dgm:cxn modelId="{C1B91B5A-5CCD-4338-8281-0056224C7243}" type="presParOf" srcId="{7B3AD497-8FE0-4413-8DEB-6D5573378452}" destId="{498AC065-BCB2-4443-AD8F-7E0563B6FF4C}" srcOrd="1" destOrd="0" presId="urn:microsoft.com/office/officeart/2005/8/layout/process1"/>
+    <dgm:cxn modelId="{2AC733B0-AAF0-4214-B74D-31349B1DBAAD}" type="presParOf" srcId="{498AC065-BCB2-4443-AD8F-7E0563B6FF4C}" destId="{7E5E7DDA-8DD5-447C-86DD-80ED479CC906}" srcOrd="0" destOrd="0" presId="urn:microsoft.com/office/officeart/2005/8/layout/process1"/>
+    <dgm:cxn modelId="{4A0F7122-5F45-441B-B536-680AEC51C79B}" type="presParOf" srcId="{7B3AD497-8FE0-4413-8DEB-6D5573378452}" destId="{2AA5540F-F922-4670-BF5A-65AAE159FEEE}" srcOrd="2" destOrd="0" presId="urn:microsoft.com/office/officeart/2005/8/layout/process1"/>
+    <dgm:cxn modelId="{427A5504-4A1D-467A-9312-F0679D09DA97}" type="presParOf" srcId="{7B3AD497-8FE0-4413-8DEB-6D5573378452}" destId="{FD351909-1F04-4E4E-A8A8-8DD592CBEEC7}" srcOrd="3" destOrd="0" presId="urn:microsoft.com/office/officeart/2005/8/layout/process1"/>
+    <dgm:cxn modelId="{E2F86DDB-F91C-4CB3-8BBD-1C953617B201}" type="presParOf" srcId="{FD351909-1F04-4E4E-A8A8-8DD592CBEEC7}" destId="{5D17A8D2-7B41-46E1-B341-FE90E17D9DB5}" srcOrd="0" destOrd="0" presId="urn:microsoft.com/office/officeart/2005/8/layout/process1"/>
+    <dgm:cxn modelId="{C8B67C9C-A99A-4E66-86E4-430A24B4FFAD}" type="presParOf" srcId="{7B3AD497-8FE0-4413-8DEB-6D5573378452}" destId="{918C5D37-DB73-4EBF-938B-8712F1897E56}" srcOrd="4" destOrd="0" presId="urn:microsoft.com/office/officeart/2005/8/layout/process1"/>
+    <dgm:cxn modelId="{FEE8ED2A-F5E4-4C32-B905-06F7A46FD6A7}" type="presParOf" srcId="{7B3AD497-8FE0-4413-8DEB-6D5573378452}" destId="{4906BAEA-A1F4-4222-A001-500E45F62E4F}" srcOrd="5" destOrd="0" presId="urn:microsoft.com/office/officeart/2005/8/layout/process1"/>
+    <dgm:cxn modelId="{91E7C7B8-E78E-414A-83DD-7115212FF970}" type="presParOf" srcId="{4906BAEA-A1F4-4222-A001-500E45F62E4F}" destId="{1BE1617C-071C-44F0-A132-96178C776FC8}" srcOrd="0" destOrd="0" presId="urn:microsoft.com/office/officeart/2005/8/layout/process1"/>
+    <dgm:cxn modelId="{C4E1AA89-465C-4EA9-BA5B-1246F2F04D2E}" type="presParOf" srcId="{7B3AD497-8FE0-4413-8DEB-6D5573378452}" destId="{CCC15C84-9411-4A72-8AF0-6308D9EC86FB}" srcOrd="6" destOrd="0" presId="urn:microsoft.com/office/officeart/2005/8/layout/process1"/>
+  </dgm:cxnLst>
+  <dgm:bg/>
+  <dgm:whole/>
+  <dgm:extLst>
+    <a:ext uri="http://schemas.microsoft.com/office/drawing/2008/diagram">
+      <dsp:dataModelExt xmlns:dsp="http://schemas.microsoft.com/office/drawing/2008/diagram" relId="rId6" minVer="http://schemas.openxmlformats.org/drawingml/2006/diagram"/>
+    </a:ext>
+  </dgm:extLst>
+</dgm:dataModel>
+</file>
+
+<file path=ppt/diagrams/drawing1.xml><?xml version="1.0" encoding="utf-8"?>
+<dsp:drawing xmlns:dgm="http://schemas.openxmlformats.org/drawingml/2006/diagram" xmlns:dsp="http://schemas.microsoft.com/office/drawing/2008/diagram" xmlns:a="http://schemas.openxmlformats.org/drawingml/2006/main">
+  <dsp:spTree>
+    <dsp:nvGrpSpPr>
+      <dsp:cNvPr id="0" name=""/>
+      <dsp:cNvGrpSpPr/>
+    </dsp:nvGrpSpPr>
+    <dsp:grpSpPr/>
+    <dsp:sp modelId="{DB0503BE-FD00-4DA6-8EF6-71B19889EB76}">
+      <dsp:nvSpPr>
+        <dsp:cNvPr id="0" name=""/>
+        <dsp:cNvSpPr/>
+      </dsp:nvSpPr>
+      <dsp:spPr>
+        <a:xfrm>
+          <a:off x="3571" y="2240822"/>
+          <a:ext cx="1561703" cy="937021"/>
+        </a:xfrm>
+        <a:prstGeom prst="roundRect">
+          <a:avLst>
+            <a:gd name="adj" fmla="val 10000"/>
+          </a:avLst>
+        </a:prstGeom>
+        <a:gradFill rotWithShape="0">
+          <a:gsLst>
+            <a:gs pos="0">
+              <a:schemeClr val="accent6">
+                <a:hueOff val="0"/>
+                <a:satOff val="0"/>
+                <a:lumOff val="0"/>
+                <a:alphaOff val="0"/>
+                <a:lumMod val="110000"/>
+                <a:satMod val="105000"/>
+                <a:tint val="67000"/>
+              </a:schemeClr>
+            </a:gs>
+            <a:gs pos="50000">
+              <a:schemeClr val="accent6">
+                <a:hueOff val="0"/>
+                <a:satOff val="0"/>
+                <a:lumOff val="0"/>
+                <a:alphaOff val="0"/>
+                <a:lumMod val="105000"/>
+                <a:satMod val="103000"/>
+                <a:tint val="73000"/>
+              </a:schemeClr>
+            </a:gs>
+            <a:gs pos="100000">
+              <a:schemeClr val="accent6">
+                <a:hueOff val="0"/>
+                <a:satOff val="0"/>
+                <a:lumOff val="0"/>
+                <a:alphaOff val="0"/>
+                <a:lumMod val="105000"/>
+                <a:satMod val="109000"/>
+                <a:tint val="81000"/>
+              </a:schemeClr>
+            </a:gs>
+          </a:gsLst>
+          <a:lin ang="5400000" scaled="0"/>
+        </a:gradFill>
+        <a:ln>
+          <a:noFill/>
+        </a:ln>
+        <a:effectLst/>
+        <a:scene3d>
+          <a:camera prst="orthographicFront"/>
+          <a:lightRig rig="flat" dir="t"/>
+        </a:scene3d>
+        <a:sp3d prstMaterial="dkEdge">
+          <a:bevelT w="8200" h="38100"/>
+        </a:sp3d>
+      </dsp:spPr>
+      <dsp:style>
+        <a:lnRef idx="0">
+          <a:scrgbClr r="0" g="0" b="0"/>
+        </a:lnRef>
+        <a:fillRef idx="2">
+          <a:scrgbClr r="0" g="0" b="0"/>
+        </a:fillRef>
+        <a:effectRef idx="1">
+          <a:scrgbClr r="0" g="0" b="0"/>
+        </a:effectRef>
+        <a:fontRef idx="minor">
+          <a:schemeClr val="dk1"/>
+        </a:fontRef>
+      </dsp:style>
+      <dsp:txBody>
+        <a:bodyPr spcFirstLastPara="0" vert="horz" wrap="square" lIns="80010" tIns="80010" rIns="80010" bIns="80010" numCol="1" spcCol="1270" anchor="ctr" anchorCtr="0">
+          <a:noAutofit/>
+        </a:bodyPr>
+        <a:lstStyle/>
+        <a:p>
+          <a:pPr lvl="0" algn="ctr" defTabSz="933450">
+            <a:lnSpc>
+              <a:spcPct val="90000"/>
+            </a:lnSpc>
+            <a:spcBef>
+              <a:spcPct val="0"/>
+            </a:spcBef>
+            <a:spcAft>
+              <a:spcPct val="35000"/>
+            </a:spcAft>
+          </a:pPr>
+          <a:r>
+            <a:rPr lang="fr-FR" sz="2100" kern="1200" dirty="0" smtClean="0">
+              <a:latin typeface="Baskerville Old Face" panose="02020602080505020303" pitchFamily="18" charset="0"/>
+            </a:rPr>
+            <a:t>SLA derivation</a:t>
+          </a:r>
+          <a:endParaRPr lang="fr-FR" sz="2100" kern="1200" dirty="0">
+            <a:latin typeface="Baskerville Old Face" panose="02020602080505020303" pitchFamily="18" charset="0"/>
+          </a:endParaRPr>
+        </a:p>
+      </dsp:txBody>
+      <dsp:txXfrm>
+        <a:off x="31015" y="2268266"/>
+        <a:ext cx="1506815" cy="882133"/>
+      </dsp:txXfrm>
+    </dsp:sp>
+    <dsp:sp modelId="{498AC065-BCB2-4443-AD8F-7E0563B6FF4C}">
+      <dsp:nvSpPr>
+        <dsp:cNvPr id="0" name=""/>
+        <dsp:cNvSpPr/>
+      </dsp:nvSpPr>
+      <dsp:spPr>
+        <a:xfrm>
+          <a:off x="1721445" y="2515682"/>
+          <a:ext cx="331081" cy="387302"/>
+        </a:xfrm>
+        <a:prstGeom prst="rightArrow">
+          <a:avLst>
+            <a:gd name="adj1" fmla="val 60000"/>
+            <a:gd name="adj2" fmla="val 50000"/>
+          </a:avLst>
+        </a:prstGeom>
+        <a:gradFill rotWithShape="0">
+          <a:gsLst>
+            <a:gs pos="0">
+              <a:schemeClr val="accent6">
+                <a:tint val="60000"/>
+                <a:hueOff val="0"/>
+                <a:satOff val="0"/>
+                <a:lumOff val="0"/>
+                <a:alphaOff val="0"/>
+                <a:lumMod val="110000"/>
+                <a:satMod val="105000"/>
+                <a:tint val="67000"/>
+              </a:schemeClr>
+            </a:gs>
+            <a:gs pos="50000">
+              <a:schemeClr val="accent6">
+                <a:tint val="60000"/>
+                <a:hueOff val="0"/>
+                <a:satOff val="0"/>
+                <a:lumOff val="0"/>
+                <a:alphaOff val="0"/>
+                <a:lumMod val="105000"/>
+                <a:satMod val="103000"/>
+                <a:tint val="73000"/>
+              </a:schemeClr>
+            </a:gs>
+            <a:gs pos="100000">
+              <a:schemeClr val="accent6">
+                <a:tint val="60000"/>
+                <a:hueOff val="0"/>
+                <a:satOff val="0"/>
+                <a:lumOff val="0"/>
+                <a:alphaOff val="0"/>
+                <a:lumMod val="105000"/>
+                <a:satMod val="109000"/>
+                <a:tint val="81000"/>
+              </a:schemeClr>
+            </a:gs>
+          </a:gsLst>
+          <a:lin ang="5400000" scaled="0"/>
+        </a:gradFill>
+        <a:ln>
+          <a:noFill/>
+        </a:ln>
+        <a:effectLst/>
+      </dsp:spPr>
+      <dsp:style>
+        <a:lnRef idx="0">
+          <a:scrgbClr r="0" g="0" b="0"/>
+        </a:lnRef>
+        <a:fillRef idx="2">
+          <a:scrgbClr r="0" g="0" b="0"/>
+        </a:fillRef>
+        <a:effectRef idx="1">
+          <a:scrgbClr r="0" g="0" b="0"/>
+        </a:effectRef>
+        <a:fontRef idx="minor">
+          <a:schemeClr val="dk1"/>
+        </a:fontRef>
+      </dsp:style>
+      <dsp:txBody>
+        <a:bodyPr spcFirstLastPara="0" vert="horz" wrap="square" lIns="0" tIns="0" rIns="0" bIns="0" numCol="1" spcCol="1270" anchor="ctr" anchorCtr="0">
+          <a:noAutofit/>
+        </a:bodyPr>
+        <a:lstStyle/>
+        <a:p>
+          <a:pPr lvl="0" algn="ctr" defTabSz="711200">
+            <a:lnSpc>
+              <a:spcPct val="90000"/>
+            </a:lnSpc>
+            <a:spcBef>
+              <a:spcPct val="0"/>
+            </a:spcBef>
+            <a:spcAft>
+              <a:spcPct val="35000"/>
+            </a:spcAft>
+          </a:pPr>
+          <a:endParaRPr lang="fr-FR" sz="1600" kern="1200"/>
+        </a:p>
+      </dsp:txBody>
+      <dsp:txXfrm>
+        <a:off x="1721445" y="2593142"/>
+        <a:ext cx="231757" cy="232382"/>
+      </dsp:txXfrm>
+    </dsp:sp>
+    <dsp:sp modelId="{2AA5540F-F922-4670-BF5A-65AAE159FEEE}">
+      <dsp:nvSpPr>
+        <dsp:cNvPr id="0" name=""/>
+        <dsp:cNvSpPr/>
+      </dsp:nvSpPr>
+      <dsp:spPr>
+        <a:xfrm>
+          <a:off x="2189956" y="2240822"/>
+          <a:ext cx="1561703" cy="937021"/>
+        </a:xfrm>
+        <a:prstGeom prst="roundRect">
+          <a:avLst>
+            <a:gd name="adj" fmla="val 10000"/>
+          </a:avLst>
+        </a:prstGeom>
+        <a:gradFill rotWithShape="0">
+          <a:gsLst>
+            <a:gs pos="0">
+              <a:schemeClr val="accent6">
+                <a:hueOff val="0"/>
+                <a:satOff val="0"/>
+                <a:lumOff val="0"/>
+                <a:alphaOff val="0"/>
+                <a:lumMod val="110000"/>
+                <a:satMod val="105000"/>
+                <a:tint val="67000"/>
+              </a:schemeClr>
+            </a:gs>
+            <a:gs pos="50000">
+              <a:schemeClr val="accent6">
+                <a:hueOff val="0"/>
+                <a:satOff val="0"/>
+                <a:lumOff val="0"/>
+                <a:alphaOff val="0"/>
+                <a:lumMod val="105000"/>
+                <a:satMod val="103000"/>
+                <a:tint val="73000"/>
+              </a:schemeClr>
+            </a:gs>
+            <a:gs pos="100000">
+              <a:schemeClr val="accent6">
+                <a:hueOff val="0"/>
+                <a:satOff val="0"/>
+                <a:lumOff val="0"/>
+                <a:alphaOff val="0"/>
+                <a:lumMod val="105000"/>
+                <a:satMod val="109000"/>
+                <a:tint val="81000"/>
+              </a:schemeClr>
+            </a:gs>
+          </a:gsLst>
+          <a:lin ang="5400000" scaled="0"/>
+        </a:gradFill>
+        <a:ln>
+          <a:noFill/>
+        </a:ln>
+        <a:effectLst/>
+        <a:scene3d>
+          <a:camera prst="orthographicFront"/>
+          <a:lightRig rig="flat" dir="t"/>
+        </a:scene3d>
+        <a:sp3d prstMaterial="dkEdge">
+          <a:bevelT w="8200" h="38100"/>
+        </a:sp3d>
+      </dsp:spPr>
+      <dsp:style>
+        <a:lnRef idx="0">
+          <a:scrgbClr r="0" g="0" b="0"/>
+        </a:lnRef>
+        <a:fillRef idx="2">
+          <a:scrgbClr r="0" g="0" b="0"/>
+        </a:fillRef>
+        <a:effectRef idx="1">
+          <a:scrgbClr r="0" g="0" b="0"/>
+        </a:effectRef>
+        <a:fontRef idx="minor">
+          <a:schemeClr val="dk1"/>
+        </a:fontRef>
+      </dsp:style>
+      <dsp:txBody>
+        <a:bodyPr spcFirstLastPara="0" vert="horz" wrap="square" lIns="80010" tIns="80010" rIns="80010" bIns="80010" numCol="1" spcCol="1270" anchor="ctr" anchorCtr="0">
+          <a:noAutofit/>
+        </a:bodyPr>
+        <a:lstStyle/>
+        <a:p>
+          <a:pPr lvl="0" algn="ctr" defTabSz="933450">
+            <a:lnSpc>
+              <a:spcPct val="90000"/>
+            </a:lnSpc>
+            <a:spcBef>
+              <a:spcPct val="0"/>
+            </a:spcBef>
+            <a:spcAft>
+              <a:spcPct val="35000"/>
+            </a:spcAft>
+          </a:pPr>
+          <a:r>
+            <a:rPr lang="fr-FR" sz="2100" kern="1200" dirty="0" smtClean="0">
+              <a:latin typeface="Baskerville Old Face" panose="02020602080505020303" pitchFamily="18" charset="0"/>
+            </a:rPr>
+            <a:t>Filtering data services</a:t>
+          </a:r>
+          <a:endParaRPr lang="fr-FR" sz="2100" kern="1200" dirty="0">
+            <a:latin typeface="Baskerville Old Face" panose="02020602080505020303" pitchFamily="18" charset="0"/>
+          </a:endParaRPr>
+        </a:p>
+      </dsp:txBody>
+      <dsp:txXfrm>
+        <a:off x="2217400" y="2268266"/>
+        <a:ext cx="1506815" cy="882133"/>
+      </dsp:txXfrm>
+    </dsp:sp>
+    <dsp:sp modelId="{FD351909-1F04-4E4E-A8A8-8DD592CBEEC7}">
+      <dsp:nvSpPr>
+        <dsp:cNvPr id="0" name=""/>
+        <dsp:cNvSpPr/>
+      </dsp:nvSpPr>
+      <dsp:spPr>
+        <a:xfrm>
+          <a:off x="3907829" y="2515682"/>
+          <a:ext cx="331081" cy="387302"/>
+        </a:xfrm>
+        <a:prstGeom prst="rightArrow">
+          <a:avLst>
+            <a:gd name="adj1" fmla="val 60000"/>
+            <a:gd name="adj2" fmla="val 50000"/>
+          </a:avLst>
+        </a:prstGeom>
+        <a:gradFill rotWithShape="0">
+          <a:gsLst>
+            <a:gs pos="0">
+              <a:schemeClr val="accent6">
+                <a:tint val="60000"/>
+                <a:hueOff val="0"/>
+                <a:satOff val="0"/>
+                <a:lumOff val="0"/>
+                <a:alphaOff val="0"/>
+                <a:lumMod val="110000"/>
+                <a:satMod val="105000"/>
+                <a:tint val="67000"/>
+              </a:schemeClr>
+            </a:gs>
+            <a:gs pos="50000">
+              <a:schemeClr val="accent6">
+                <a:tint val="60000"/>
+                <a:hueOff val="0"/>
+                <a:satOff val="0"/>
+                <a:lumOff val="0"/>
+                <a:alphaOff val="0"/>
+                <a:lumMod val="105000"/>
+                <a:satMod val="103000"/>
+                <a:tint val="73000"/>
+              </a:schemeClr>
+            </a:gs>
+            <a:gs pos="100000">
+              <a:schemeClr val="accent6">
+                <a:tint val="60000"/>
+                <a:hueOff val="0"/>
+                <a:satOff val="0"/>
+                <a:lumOff val="0"/>
+                <a:alphaOff val="0"/>
+                <a:lumMod val="105000"/>
+                <a:satMod val="109000"/>
+                <a:tint val="81000"/>
+              </a:schemeClr>
+            </a:gs>
+          </a:gsLst>
+          <a:lin ang="5400000" scaled="0"/>
+        </a:gradFill>
+        <a:ln>
+          <a:noFill/>
+        </a:ln>
+        <a:effectLst/>
+      </dsp:spPr>
+      <dsp:style>
+        <a:lnRef idx="0">
+          <a:scrgbClr r="0" g="0" b="0"/>
+        </a:lnRef>
+        <a:fillRef idx="2">
+          <a:scrgbClr r="0" g="0" b="0"/>
+        </a:fillRef>
+        <a:effectRef idx="1">
+          <a:scrgbClr r="0" g="0" b="0"/>
+        </a:effectRef>
+        <a:fontRef idx="minor">
+          <a:schemeClr val="dk1"/>
+        </a:fontRef>
+      </dsp:style>
+      <dsp:txBody>
+        <a:bodyPr spcFirstLastPara="0" vert="horz" wrap="square" lIns="0" tIns="0" rIns="0" bIns="0" numCol="1" spcCol="1270" anchor="ctr" anchorCtr="0">
+          <a:noAutofit/>
+        </a:bodyPr>
+        <a:lstStyle/>
+        <a:p>
+          <a:pPr lvl="0" algn="ctr" defTabSz="711200">
+            <a:lnSpc>
+              <a:spcPct val="90000"/>
+            </a:lnSpc>
+            <a:spcBef>
+              <a:spcPct val="0"/>
+            </a:spcBef>
+            <a:spcAft>
+              <a:spcPct val="35000"/>
+            </a:spcAft>
+          </a:pPr>
+          <a:endParaRPr lang="fr-FR" sz="1600" kern="1200"/>
+        </a:p>
+      </dsp:txBody>
+      <dsp:txXfrm>
+        <a:off x="3907829" y="2593142"/>
+        <a:ext cx="231757" cy="232382"/>
+      </dsp:txXfrm>
+    </dsp:sp>
+    <dsp:sp modelId="{918C5D37-DB73-4EBF-938B-8712F1897E56}">
+      <dsp:nvSpPr>
+        <dsp:cNvPr id="0" name=""/>
+        <dsp:cNvSpPr/>
+      </dsp:nvSpPr>
+      <dsp:spPr>
+        <a:xfrm>
+          <a:off x="4376340" y="2240822"/>
+          <a:ext cx="1561703" cy="937021"/>
+        </a:xfrm>
+        <a:prstGeom prst="roundRect">
+          <a:avLst>
+            <a:gd name="adj" fmla="val 10000"/>
+          </a:avLst>
+        </a:prstGeom>
+        <a:gradFill rotWithShape="0">
+          <a:gsLst>
+            <a:gs pos="0">
+              <a:schemeClr val="accent6">
+                <a:hueOff val="0"/>
+                <a:satOff val="0"/>
+                <a:lumOff val="0"/>
+                <a:alphaOff val="0"/>
+                <a:lumMod val="110000"/>
+                <a:satMod val="105000"/>
+                <a:tint val="67000"/>
+              </a:schemeClr>
+            </a:gs>
+            <a:gs pos="50000">
+              <a:schemeClr val="accent6">
+                <a:hueOff val="0"/>
+                <a:satOff val="0"/>
+                <a:lumOff val="0"/>
+                <a:alphaOff val="0"/>
+                <a:lumMod val="105000"/>
+                <a:satMod val="103000"/>
+                <a:tint val="73000"/>
+              </a:schemeClr>
+            </a:gs>
+            <a:gs pos="100000">
+              <a:schemeClr val="accent6">
+                <a:hueOff val="0"/>
+                <a:satOff val="0"/>
+                <a:lumOff val="0"/>
+                <a:alphaOff val="0"/>
+                <a:lumMod val="105000"/>
+                <a:satMod val="109000"/>
+                <a:tint val="81000"/>
+              </a:schemeClr>
+            </a:gs>
+          </a:gsLst>
+          <a:lin ang="5400000" scaled="0"/>
+        </a:gradFill>
+        <a:ln>
+          <a:noFill/>
+        </a:ln>
+        <a:effectLst/>
+        <a:scene3d>
+          <a:camera prst="orthographicFront"/>
+          <a:lightRig rig="flat" dir="t"/>
+        </a:scene3d>
+        <a:sp3d prstMaterial="dkEdge">
+          <a:bevelT w="8200" h="38100"/>
+        </a:sp3d>
+      </dsp:spPr>
+      <dsp:style>
+        <a:lnRef idx="0">
+          <a:scrgbClr r="0" g="0" b="0"/>
+        </a:lnRef>
+        <a:fillRef idx="2">
+          <a:scrgbClr r="0" g="0" b="0"/>
+        </a:fillRef>
+        <a:effectRef idx="1">
+          <a:scrgbClr r="0" g="0" b="0"/>
+        </a:effectRef>
+        <a:fontRef idx="minor">
+          <a:schemeClr val="dk1"/>
+        </a:fontRef>
+      </dsp:style>
+      <dsp:txBody>
+        <a:bodyPr spcFirstLastPara="0" vert="horz" wrap="square" lIns="80010" tIns="80010" rIns="80010" bIns="80010" numCol="1" spcCol="1270" anchor="ctr" anchorCtr="0">
+          <a:noAutofit/>
+        </a:bodyPr>
+        <a:lstStyle/>
+        <a:p>
+          <a:pPr lvl="0" algn="ctr" defTabSz="933450">
+            <a:lnSpc>
+              <a:spcPct val="90000"/>
+            </a:lnSpc>
+            <a:spcBef>
+              <a:spcPct val="0"/>
+            </a:spcBef>
+            <a:spcAft>
+              <a:spcPct val="35000"/>
+            </a:spcAft>
+          </a:pPr>
+          <a:r>
+            <a:rPr lang="fr-FR" sz="2100" kern="1200" dirty="0" smtClean="0">
+              <a:latin typeface="Baskerville Old Face" panose="02020602080505020303" pitchFamily="18" charset="0"/>
+            </a:rPr>
+            <a:t>Query rewriting</a:t>
+          </a:r>
+          <a:endParaRPr lang="fr-FR" sz="2100" kern="1200" dirty="0">
+            <a:latin typeface="Baskerville Old Face" panose="02020602080505020303" pitchFamily="18" charset="0"/>
+          </a:endParaRPr>
+        </a:p>
+      </dsp:txBody>
+      <dsp:txXfrm>
+        <a:off x="4403784" y="2268266"/>
+        <a:ext cx="1506815" cy="882133"/>
+      </dsp:txXfrm>
+    </dsp:sp>
+    <dsp:sp modelId="{4906BAEA-A1F4-4222-A001-500E45F62E4F}">
+      <dsp:nvSpPr>
+        <dsp:cNvPr id="0" name=""/>
+        <dsp:cNvSpPr/>
+      </dsp:nvSpPr>
+      <dsp:spPr>
+        <a:xfrm>
+          <a:off x="6094214" y="2515682"/>
+          <a:ext cx="331081" cy="387302"/>
+        </a:xfrm>
+        <a:prstGeom prst="rightArrow">
+          <a:avLst>
+            <a:gd name="adj1" fmla="val 60000"/>
+            <a:gd name="adj2" fmla="val 50000"/>
+          </a:avLst>
+        </a:prstGeom>
+        <a:gradFill rotWithShape="0">
+          <a:gsLst>
+            <a:gs pos="0">
+              <a:schemeClr val="accent6">
+                <a:tint val="60000"/>
+                <a:hueOff val="0"/>
+                <a:satOff val="0"/>
+                <a:lumOff val="0"/>
+                <a:alphaOff val="0"/>
+                <a:lumMod val="110000"/>
+                <a:satMod val="105000"/>
+                <a:tint val="67000"/>
+              </a:schemeClr>
+            </a:gs>
+            <a:gs pos="50000">
+              <a:schemeClr val="accent6">
+                <a:tint val="60000"/>
+                <a:hueOff val="0"/>
+                <a:satOff val="0"/>
+                <a:lumOff val="0"/>
+                <a:alphaOff val="0"/>
+                <a:lumMod val="105000"/>
+                <a:satMod val="103000"/>
+                <a:tint val="73000"/>
+              </a:schemeClr>
+            </a:gs>
+            <a:gs pos="100000">
+              <a:schemeClr val="accent6">
+                <a:tint val="60000"/>
+                <a:hueOff val="0"/>
+                <a:satOff val="0"/>
+                <a:lumOff val="0"/>
+                <a:alphaOff val="0"/>
+                <a:lumMod val="105000"/>
+                <a:satMod val="109000"/>
+                <a:tint val="81000"/>
+              </a:schemeClr>
+            </a:gs>
+          </a:gsLst>
+          <a:lin ang="5400000" scaled="0"/>
+        </a:gradFill>
+        <a:ln>
+          <a:noFill/>
+        </a:ln>
+        <a:effectLst/>
+      </dsp:spPr>
+      <dsp:style>
+        <a:lnRef idx="0">
+          <a:scrgbClr r="0" g="0" b="0"/>
+        </a:lnRef>
+        <a:fillRef idx="2">
+          <a:scrgbClr r="0" g="0" b="0"/>
+        </a:fillRef>
+        <a:effectRef idx="1">
+          <a:scrgbClr r="0" g="0" b="0"/>
+        </a:effectRef>
+        <a:fontRef idx="minor">
+          <a:schemeClr val="dk1"/>
+        </a:fontRef>
+      </dsp:style>
+      <dsp:txBody>
+        <a:bodyPr spcFirstLastPara="0" vert="horz" wrap="square" lIns="0" tIns="0" rIns="0" bIns="0" numCol="1" spcCol="1270" anchor="ctr" anchorCtr="0">
+          <a:noAutofit/>
+        </a:bodyPr>
+        <a:lstStyle/>
+        <a:p>
+          <a:pPr lvl="0" algn="ctr" defTabSz="711200">
+            <a:lnSpc>
+              <a:spcPct val="90000"/>
+            </a:lnSpc>
+            <a:spcBef>
+              <a:spcPct val="0"/>
+            </a:spcBef>
+            <a:spcAft>
+              <a:spcPct val="35000"/>
+            </a:spcAft>
+          </a:pPr>
+          <a:endParaRPr lang="fr-FR" sz="1600" kern="1200"/>
+        </a:p>
+      </dsp:txBody>
+      <dsp:txXfrm>
+        <a:off x="6094214" y="2593142"/>
+        <a:ext cx="231757" cy="232382"/>
+      </dsp:txXfrm>
+    </dsp:sp>
+    <dsp:sp modelId="{CCC15C84-9411-4A72-8AF0-6308D9EC86FB}">
+      <dsp:nvSpPr>
+        <dsp:cNvPr id="0" name=""/>
+        <dsp:cNvSpPr/>
+      </dsp:nvSpPr>
+      <dsp:spPr>
+        <a:xfrm>
+          <a:off x="6562724" y="2240822"/>
+          <a:ext cx="1561703" cy="937021"/>
+        </a:xfrm>
+        <a:prstGeom prst="roundRect">
+          <a:avLst>
+            <a:gd name="adj" fmla="val 10000"/>
+          </a:avLst>
+        </a:prstGeom>
+        <a:gradFill rotWithShape="0">
+          <a:gsLst>
+            <a:gs pos="0">
+              <a:schemeClr val="accent6">
+                <a:hueOff val="0"/>
+                <a:satOff val="0"/>
+                <a:lumOff val="0"/>
+                <a:alphaOff val="0"/>
+                <a:lumMod val="110000"/>
+                <a:satMod val="105000"/>
+                <a:tint val="67000"/>
+              </a:schemeClr>
+            </a:gs>
+            <a:gs pos="50000">
+              <a:schemeClr val="accent6">
+                <a:hueOff val="0"/>
+                <a:satOff val="0"/>
+                <a:lumOff val="0"/>
+                <a:alphaOff val="0"/>
+                <a:lumMod val="105000"/>
+                <a:satMod val="103000"/>
+                <a:tint val="73000"/>
+              </a:schemeClr>
+            </a:gs>
+            <a:gs pos="100000">
+              <a:schemeClr val="accent6">
+                <a:hueOff val="0"/>
+                <a:satOff val="0"/>
+                <a:lumOff val="0"/>
+                <a:alphaOff val="0"/>
+                <a:lumMod val="105000"/>
+                <a:satMod val="109000"/>
+                <a:tint val="81000"/>
+              </a:schemeClr>
+            </a:gs>
+          </a:gsLst>
+          <a:lin ang="5400000" scaled="0"/>
+        </a:gradFill>
+        <a:ln>
+          <a:noFill/>
+        </a:ln>
+        <a:effectLst/>
+        <a:scene3d>
+          <a:camera prst="orthographicFront"/>
+          <a:lightRig rig="flat" dir="t"/>
+        </a:scene3d>
+        <a:sp3d prstMaterial="dkEdge">
+          <a:bevelT w="8200" h="38100"/>
+        </a:sp3d>
+      </dsp:spPr>
+      <dsp:style>
+        <a:lnRef idx="0">
+          <a:scrgbClr r="0" g="0" b="0"/>
+        </a:lnRef>
+        <a:fillRef idx="2">
+          <a:scrgbClr r="0" g="0" b="0"/>
+        </a:fillRef>
+        <a:effectRef idx="1">
+          <a:scrgbClr r="0" g="0" b="0"/>
+        </a:effectRef>
+        <a:fontRef idx="minor">
+          <a:schemeClr val="dk1"/>
+        </a:fontRef>
+      </dsp:style>
+      <dsp:txBody>
+        <a:bodyPr spcFirstLastPara="0" vert="horz" wrap="square" lIns="80010" tIns="80010" rIns="80010" bIns="80010" numCol="1" spcCol="1270" anchor="ctr" anchorCtr="0">
+          <a:noAutofit/>
+        </a:bodyPr>
+        <a:lstStyle/>
+        <a:p>
+          <a:pPr lvl="0" algn="ctr" defTabSz="933450">
+            <a:lnSpc>
+              <a:spcPct val="90000"/>
+            </a:lnSpc>
+            <a:spcBef>
+              <a:spcPct val="0"/>
+            </a:spcBef>
+            <a:spcAft>
+              <a:spcPct val="35000"/>
+            </a:spcAft>
+          </a:pPr>
+          <a:r>
+            <a:rPr lang="fr-FR" sz="2100" kern="1200" dirty="0" smtClean="0">
+              <a:latin typeface="Baskerville Old Face" panose="02020602080505020303" pitchFamily="18" charset="0"/>
+            </a:rPr>
+            <a:t>Integrating a query result</a:t>
+          </a:r>
+          <a:endParaRPr lang="fr-FR" sz="2100" kern="1200" dirty="0">
+            <a:latin typeface="Baskerville Old Face" panose="02020602080505020303" pitchFamily="18" charset="0"/>
+          </a:endParaRPr>
+        </a:p>
+      </dsp:txBody>
+      <dsp:txXfrm>
+        <a:off x="6590168" y="2268266"/>
+        <a:ext cx="1506815" cy="882133"/>
+      </dsp:txXfrm>
+    </dsp:sp>
+  </dsp:spTree>
+</dsp:drawing>
+</file>
+
+<file path=ppt/diagrams/layout1.xml><?xml version="1.0" encoding="utf-8"?>
+<dgm:layoutDef xmlns:dgm="http://schemas.openxmlformats.org/drawingml/2006/diagram" xmlns:a="http://schemas.openxmlformats.org/drawingml/2006/main" uniqueId="urn:microsoft.com/office/officeart/2005/8/layout/process1">
+  <dgm:title val=""/>
+  <dgm:desc val=""/>
+  <dgm:catLst>
+    <dgm:cat type="process" pri="1000"/>
+    <dgm:cat type="convert" pri="15000"/>
+  </dgm:catLst>
+  <dgm:sampData useDef="1">
+    <dgm:dataModel>
+      <dgm:ptLst/>
+      <dgm:bg/>
+      <dgm:whole/>
+    </dgm:dataModel>
+  </dgm:sampData>
+  <dgm:styleData>
+    <dgm:dataModel>
+      <dgm:ptLst>
+        <dgm:pt modelId="0" type="doc"/>
+        <dgm:pt modelId="1"/>
+        <dgm:pt modelId="2"/>
+      </dgm:ptLst>
+      <dgm:cxnLst>
+        <dgm:cxn modelId="3" srcId="0" destId="1" srcOrd="0" destOrd="0"/>
+        <dgm:cxn modelId="4" srcId="0" destId="2" srcOrd="1" destOrd="0"/>
+      </dgm:cxnLst>
+      <dgm:bg/>
+      <dgm:whole/>
+    </dgm:dataModel>
+  </dgm:styleData>
+  <dgm:clrData>
+    <dgm:dataModel>
+      <dgm:ptLst>
+        <dgm:pt modelId="0" type="doc"/>
+        <dgm:pt modelId="1"/>
+        <dgm:pt modelId="2"/>
+        <dgm:pt modelId="3"/>
+        <dgm:pt modelId="4"/>
+      </dgm:ptLst>
+      <dgm:cxnLst>
+        <dgm:cxn modelId="5" srcId="0" destId="1" srcOrd="0" destOrd="0"/>
+        <dgm:cxn modelId="6" srcId="0" destId="2" srcOrd="1" destOrd="0"/>
+        <dgm:cxn modelId="7" srcId="0" destId="3" srcOrd="2" destOrd="0"/>
+        <dgm:cxn modelId="8" srcId="0" destId="4" srcOrd="3" destOrd="0"/>
+      </dgm:cxnLst>
+      <dgm:bg/>
+      <dgm:whole/>
+    </dgm:dataModel>
+  </dgm:clrData>
+  <dgm:layoutNode name="Name0">
+    <dgm:varLst>
+      <dgm:dir/>
+      <dgm:resizeHandles val="exact"/>
+    </dgm:varLst>
+    <dgm:choose name="Name1">
+      <dgm:if name="Name2" func="var" arg="dir" op="equ" val="norm">
+        <dgm:alg type="lin"/>
+      </dgm:if>
+      <dgm:else name="Name3">
+        <dgm:alg type="lin">
+          <dgm:param type="linDir" val="fromR"/>
+        </dgm:alg>
+      </dgm:else>
+    </dgm:choose>
+    <dgm:shape xmlns:r="http://schemas.openxmlformats.org/officeDocument/2006/relationships" r:blip="">
+      <dgm:adjLst/>
+    </dgm:shape>
+    <dgm:presOf/>
+    <dgm:constrLst>
+      <dgm:constr type="w" for="ch" ptType="node" refType="w"/>
+      <dgm:constr type="h" for="ch" ptType="node" op="equ"/>
+      <dgm:constr type="primFontSz" for="ch" ptType="node" op="equ" val="65"/>
+      <dgm:constr type="w" for="ch" ptType="sibTrans" refType="w" refFor="ch" refPtType="node" op="equ" fact="0.4"/>
+      <dgm:constr type="h" for="ch" ptType="sibTrans" op="equ"/>
+      <dgm:constr type="primFontSz" for="des" forName="connectorText" op="equ" val="55"/>
+      <dgm:constr type="primFontSz" for="des" forName="connectorText" refType="primFontSz" refFor="ch" refPtType="node" op="lte" fact="0.8"/>
+    </dgm:constrLst>
+    <dgm:ruleLst/>
+    <dgm:forEach name="nodesForEach" axis="ch" ptType="node">
+      <dgm:layoutNode name="node">
+        <dgm:varLst>
+          <dgm:bulletEnabled val="1"/>
+        </dgm:varLst>
+        <dgm:alg type="tx"/>
+        <dgm:shape xmlns:r="http://schemas.openxmlformats.org/officeDocument/2006/relationships" type="roundRect" r:blip="">
+          <dgm:adjLst>
+            <dgm:adj idx="1" val="0.1"/>
+          </dgm:adjLst>
+        </dgm:shape>
+        <dgm:presOf axis="desOrSelf" ptType="node"/>
+        <dgm:constrLst>
+          <dgm:constr type="h" refType="w" fact="0.6"/>
+          <dgm:constr type="tMarg" refType="primFontSz" fact="0.3"/>
+          <dgm:constr type="bMarg" refType="primFontSz" fact="0.3"/>
+          <dgm:constr type="lMarg" refType="primFontSz" fact="0.3"/>
+          <dgm:constr type="rMarg" refType="primFontSz" fact="0.3"/>
+        </dgm:constrLst>
+        <dgm:ruleLst>
+          <dgm:rule type="primFontSz" val="18" fact="NaN" max="NaN"/>
+          <dgm:rule type="h" val="NaN" fact="1.5" max="NaN"/>
+          <dgm:rule type="primFontSz" val="5" fact="NaN" max="NaN"/>
+          <dgm:rule type="h" val="INF" fact="NaN" max="NaN"/>
+        </dgm:ruleLst>
+      </dgm:layoutNode>
+      <dgm:forEach name="sibTransForEach" axis="followSib" ptType="sibTrans" cnt="1">
+        <dgm:layoutNode name="sibTrans">
+          <dgm:alg type="conn">
+            <dgm:param type="begPts" val="auto"/>
+            <dgm:param type="endPts" val="auto"/>
+          </dgm:alg>
+          <dgm:shape xmlns:r="http://schemas.openxmlformats.org/officeDocument/2006/relationships" type="conn" r:blip="">
+            <dgm:adjLst/>
+          </dgm:shape>
+          <dgm:presOf axis="self"/>
+          <dgm:constrLst>
+            <dgm:constr type="h" refType="w" fact="0.62"/>
+            <dgm:constr type="connDist"/>
+            <dgm:constr type="begPad" refType="connDist" fact="0.25"/>
+            <dgm:constr type="endPad" refType="connDist" fact="0.22"/>
+          </dgm:constrLst>
+          <dgm:ruleLst/>
+          <dgm:layoutNode name="connectorText">
+            <dgm:alg type="tx">
+              <dgm:param type="autoTxRot" val="grav"/>
+            </dgm:alg>
+            <dgm:shape xmlns:r="http://schemas.openxmlformats.org/officeDocument/2006/relationships" type="conn" r:blip="" hideGeom="1">
+              <dgm:adjLst/>
+            </dgm:shape>
+            <dgm:presOf axis="self"/>
+            <dgm:constrLst>
+              <dgm:constr type="lMarg"/>
+              <dgm:constr type="rMarg"/>
+              <dgm:constr type="tMarg"/>
+              <dgm:constr type="bMarg"/>
+            </dgm:constrLst>
+            <dgm:ruleLst>
+              <dgm:rule type="primFontSz" val="5" fact="NaN" max="NaN"/>
+            </dgm:ruleLst>
+          </dgm:layoutNode>
+        </dgm:layoutNode>
+      </dgm:forEach>
+    </dgm:forEach>
+  </dgm:layoutNode>
+</dgm:layoutDef>
+</file>
+
+<file path=ppt/diagrams/quickStyle1.xml><?xml version="1.0" encoding="utf-8"?>
+<dgm:styleDef xmlns:dgm="http://schemas.openxmlformats.org/drawingml/2006/diagram" xmlns:a="http://schemas.openxmlformats.org/drawingml/2006/main" uniqueId="urn:microsoft.com/office/officeart/2005/8/quickstyle/simple3">
+  <dgm:title val=""/>
+  <dgm:desc val=""/>
+  <dgm:catLst>
+    <dgm:cat type="simple" pri="10300"/>
+  </dgm:catLst>
+  <dgm:scene3d>
+    <a:camera prst="orthographicFront"/>
+    <a:lightRig rig="threePt" dir="t"/>
+  </dgm:scene3d>
+  <dgm:styleLbl name="node0">
+    <dgm:scene3d>
+      <a:camera prst="orthographicFront"/>
+      <a:lightRig rig="flat" dir="t"/>
+    </dgm:scene3d>
+    <dgm:sp3d prstMaterial="dkEdge">
+      <a:bevelT w="8200" h="38100"/>
+    </dgm:sp3d>
+    <dgm:txPr/>
+    <dgm:style>
+      <a:lnRef idx="0">
+        <a:scrgbClr r="0" g="0" b="0"/>
+      </a:lnRef>
+      <a:fillRef idx="2">
+        <a:scrgbClr r="0" g="0" b="0"/>
+      </a:fillRef>
+      <a:effectRef idx="1">
+        <a:scrgbClr r="0" g="0" b="0"/>
+      </a:effectRef>
+      <a:fontRef idx="minor">
+        <a:schemeClr val="dk1"/>
+      </a:fontRef>
+    </dgm:style>
+  </dgm:styleLbl>
+  <dgm:styleLbl name="lnNode1">
+    <dgm:scene3d>
+      <a:camera prst="orthographicFront"/>
+      <a:lightRig rig="flat" dir="t"/>
+    </dgm:scene3d>
+    <dgm:sp3d prstMaterial="dkEdge">
+      <a:bevelT w="8200" h="38100"/>
+    </dgm:sp3d>
+    <dgm:txPr/>
+    <dgm:style>
+      <a:lnRef idx="1">
+        <a:scrgbClr r="0" g="0" b="0"/>
+      </a:lnRef>
+      <a:fillRef idx="2">
+        <a:scrgbClr r="0" g="0" b="0"/>
+      </a:fillRef>
+      <a:effectRef idx="0">
+        <a:scrgbClr r="0" g="0" b="0"/>
+      </a:effectRef>
+      <a:fontRef idx="minor">
+        <a:schemeClr val="dk1"/>
+      </a:fontRef>
+    </dgm:style>
+  </dgm:styleLbl>
+  <dgm:styleLbl name="vennNode1">
+    <dgm:scene3d>
+      <a:camera prst="orthographicFront"/>
+      <a:lightRig rig="flat" dir="t"/>
+    </dgm:scene3d>
+    <dgm:sp3d prstMaterial="dkEdge">
+      <a:bevelT w="8200" h="38100"/>
+    </dgm:sp3d>
+    <dgm:txPr/>
+    <dgm:style>
+      <a:lnRef idx="0">
+        <a:scrgbClr r="0" g="0" b="0"/>
+      </a:lnRef>
+      <a:fillRef idx="2">
+        <a:scrgbClr r="0" g="0" b="0"/>
+      </a:fillRef>
+      <a:effectRef idx="0">
+        <a:scrgbClr r="0" g="0" b="0"/>
+      </a:effectRef>
+      <a:fontRef idx="minor">
+        <a:schemeClr val="tx1"/>
+      </a:fontRef>
+    </dgm:style>
+  </dgm:styleLbl>
+  <dgm:styleLbl name="alignNode1">
+    <dgm:scene3d>
+      <a:camera prst="orthographicFront"/>
+      <a:lightRig rig="threePt" dir="t"/>
+    </dgm:scene3d>
+    <dgm:sp3d/>
+    <dgm:txPr/>
+    <dgm:style>
+      <a:lnRef idx="1">
+        <a:scrgbClr r="0" g="0" b="0"/>
+      </a:lnRef>
+      <a:fillRef idx="2">
+        <a:scrgbClr r="0" g="0" b="0"/>
+      </a:fillRef>
+      <a:effectRef idx="1">
+        <a:scrgbClr r="0" g="0" b="0"/>
+      </a:effectRef>
+      <a:fontRef idx="minor">
+        <a:schemeClr val="dk1"/>
+      </a:fontRef>
+    </dgm:style>
+  </dgm:styleLbl>
+  <dgm:styleLbl name="node1">
+    <dgm:scene3d>
+      <a:camera prst="orthographicFront"/>
+      <a:lightRig rig="flat" dir="t"/>
+    </dgm:scene3d>
+    <dgm:sp3d prstMaterial="dkEdge">
+      <a:bevelT w="8200" h="38100"/>
+    </dgm:sp3d>
+    <dgm:txPr/>
+    <dgm:style>
+      <a:lnRef idx="0">
+        <a:scrgbClr r="0" g="0" b="0"/>
+      </a:lnRef>
+      <a:fillRef idx="2">
+        <a:scrgbClr r="0" g="0" b="0"/>
+      </a:fillRef>
+      <a:effectRef idx="1">
+        <a:scrgbClr r="0" g="0" b="0"/>
+      </a:effectRef>
+      <a:fontRef idx="minor">
+        <a:schemeClr val="dk1"/>
+      </a:fontRef>
+    </dgm:style>
+  </dgm:styleLbl>
+  <dgm:styleLbl name="node2">
+    <dgm:scene3d>
+      <a:camera prst="orthographicFront"/>
+      <a:lightRig rig="flat" dir="t"/>
+    </dgm:scene3d>
+    <dgm:sp3d prstMaterial="dkEdge">
+      <a:bevelT w="8200" h="38100"/>
+    </dgm:sp3d>
+    <dgm:txPr/>
+    <dgm:style>
+      <a:lnRef idx="0">
+        <a:scrgbClr r="0" g="0" b="0"/>
+      </a:lnRef>
+      <a:fillRef idx="2">
+        <a:scrgbClr r="0" g="0" b="0"/>
+      </a:fillRef>
+      <a:effectRef idx="1">
+        <a:scrgbClr r="0" g="0" b="0"/>
+      </a:effectRef>
+      <a:fontRef idx="minor">
+        <a:schemeClr val="dk1"/>
+      </a:fontRef>
+    </dgm:style>
+  </dgm:styleLbl>
+  <dgm:styleLbl name="node3">
+    <dgm:scene3d>
+      <a:camera prst="orthographicFront"/>
+      <a:lightRig rig="flat" dir="t"/>
+    </dgm:scene3d>
+    <dgm:sp3d prstMaterial="dkEdge">
+      <a:bevelT w="8200" h="38100"/>
+    </dgm:sp3d>
+    <dgm:txPr/>
+    <dgm:style>
+      <a:lnRef idx="0">
+        <a:scrgbClr r="0" g="0" b="0"/>
+      </a:lnRef>
+      <a:fillRef idx="2">
+        <a:scrgbClr r="0" g="0" b="0"/>
+      </a:fillRef>
+      <a:effectRef idx="1">
+        <a:scrgbClr r="0" g="0" b="0"/>
+      </a:effectRef>
+      <a:fontRef idx="minor">
+        <a:schemeClr val="dk1"/>
+      </a:fontRef>
+    </dgm:style>
+  </dgm:styleLbl>
+  <dgm:styleLbl name="node4">
+    <dgm:scene3d>
+      <a:camera prst="orthographicFront"/>
+      <a:lightRig rig="flat" dir="t"/>
+    </dgm:scene3d>
+    <dgm:sp3d prstMaterial="dkEdge">
+      <a:bevelT w="8200" h="38100"/>
+    </dgm:sp3d>
+    <dgm:txPr/>
+    <dgm:style>
+      <a:lnRef idx="0">
+        <a:scrgbClr r="0" g="0" b="0"/>
+      </a:lnRef>
+      <a:fillRef idx="2">
+        <a:scrgbClr r="0" g="0" b="0"/>
+      </a:fillRef>
+      <a:effectRef idx="1">
+        <a:scrgbClr r="0" g="0" b="0"/>
+      </a:effectRef>
+      <a:fontRef idx="minor">
+        <a:schemeClr val="dk1"/>
+      </a:fontRef>
+    </dgm:style>
+  </dgm:styleLbl>
+  <dgm:styleLbl name="fgImgPlace1">
+    <dgm:scene3d>
+      <a:camera prst="orthographicFront"/>
+      <a:lightRig rig="threePt" dir="t"/>
+    </dgm:scene3d>
+    <dgm:sp3d/>
+    <dgm:txPr/>
+    <dgm:style>
+      <a:lnRef idx="1">
+        <a:scrgbClr r="0" g="0" b="0"/>
+      </a:lnRef>
+      <a:fillRef idx="1">
+        <a:scrgbClr r="0" g="0" b="0"/>
+      </a:fillRef>
+      <a:effectRef idx="1">
+        <a:scrgbClr r="0" g="0" b="0"/>
+      </a:effectRef>
+      <a:fontRef idx="minor"/>
+    </dgm:style>
+  </dgm:styleLbl>
+  <dgm:styleLbl name="alignImgPlace1">
+    <dgm:scene3d>
+      <a:camera prst="orthographicFront"/>
+      <a:lightRig rig="threePt" dir="t"/>
+    </dgm:scene3d>
+    <dgm:sp3d/>
+    <dgm:txPr/>
+    <dgm:style>
+      <a:lnRef idx="1">
+        <a:scrgbClr r="0" g="0" b="0"/>
+      </a:lnRef>
+      <a:fillRef idx="1">
+        <a:scrgbClr r="0" g="0" b="0"/>
+      </a:fillRef>
+      <a:effectRef idx="1">
+        <a:scrgbClr r="0" g="0" b="0"/>
+      </a:effectRef>
+      <a:fontRef idx="minor"/>
+    </dgm:style>
+  </dgm:styleLbl>
+  <dgm:styleLbl name="bgImgPlace1">
+    <dgm:scene3d>
+      <a:camera prst="orthographicFront"/>
+      <a:lightRig rig="threePt" dir="t"/>
+    </dgm:scene3d>
+    <dgm:sp3d/>
+    <dgm:txPr/>
+    <dgm:style>
+      <a:lnRef idx="1">
+        <a:scrgbClr r="0" g="0" b="0"/>
+      </a:lnRef>
+      <a:fillRef idx="1">
+        <a:scrgbClr r="0" g="0" b="0"/>
+      </a:fillRef>
+      <a:effectRef idx="1">
+        <a:scrgbClr r="0" g="0" b="0"/>
+      </a:effectRef>
+      <a:fontRef idx="minor"/>
+    </dgm:style>
+  </dgm:styleLbl>
+  <dgm:styleLbl name="sibTrans2D1">
+    <dgm:scene3d>
+      <a:camera prst="orthographicFront"/>
+      <a:lightRig rig="threePt" dir="t"/>
+    </dgm:scene3d>
+    <dgm:sp3d/>
+    <dgm:txPr/>
+    <dgm:style>
+      <a:lnRef idx="0">
+        <a:scrgbClr r="0" g="0" b="0"/>
+      </a:lnRef>
+      <a:fillRef idx="2">
+        <a:scrgbClr r="0" g="0" b="0"/>
+      </a:fillRef>
+      <a:effectRef idx="1">
+        <a:scrgbClr r="0" g="0" b="0"/>
+      </a:effectRef>
+      <a:fontRef idx="minor">
+        <a:schemeClr val="dk1"/>
+      </a:fontRef>
+    </dgm:style>
+  </dgm:styleLbl>
+  <dgm:styleLbl name="fgSibTrans2D1">
+    <dgm:scene3d>
+      <a:camera prst="orthographicFront"/>
+      <a:lightRig rig="threePt" dir="t"/>
+    </dgm:scene3d>
+    <dgm:sp3d/>
+    <dgm:txPr/>
+    <dgm:style>
+      <a:lnRef idx="0">
+        <a:scrgbClr r="0" g="0" b="0"/>
+      </a:lnRef>
+      <a:fillRef idx="2">
+        <a:scrgbClr r="0" g="0" b="0"/>
+      </a:fillRef>
+      <a:effectRef idx="1">
+        <a:scrgbClr r="0" g="0" b="0"/>
+      </a:effectRef>
+      <a:fontRef idx="minor">
+        <a:schemeClr val="dk1"/>
+      </a:fontRef>
+    </dgm:style>
+  </dgm:styleLbl>
+  <dgm:styleLbl name="bgSibTrans2D1">
+    <dgm:scene3d>
+      <a:camera prst="orthographicFront"/>
+      <a:lightRig rig="threePt" dir="t"/>
+    </dgm:scene3d>
+    <dgm:sp3d/>
+    <dgm:txPr/>
+    <dgm:style>
+      <a:lnRef idx="0">
+        <a:scrgbClr r="0" g="0" b="0"/>
+      </a:lnRef>
+      <a:fillRef idx="2">
+        <a:scrgbClr r="0" g="0" b="0"/>
+      </a:fillRef>
+      <a:effectRef idx="1">
+        <a:scrgbClr r="0" g="0" b="0"/>
+      </a:effectRef>
+      <a:fontRef idx="minor">
+        <a:schemeClr val="dk1"/>
+      </a:fontRef>
+    </dgm:style>
+  </dgm:styleLbl>
+  <dgm:styleLbl name="sibTrans1D1">
+    <dgm:scene3d>
+      <a:camera prst="orthographicFront"/>
+      <a:lightRig rig="threePt" dir="t"/>
+    </dgm:scene3d>
+    <dgm:sp3d/>
+    <dgm:txPr/>
+    <dgm:style>
+      <a:lnRef idx="1">
+        <a:scrgbClr r="0" g="0" b="0"/>
+      </a:lnRef>
+      <a:fillRef idx="0">
+        <a:scrgbClr r="0" g="0" b="0"/>
+      </a:fillRef>
+      <a:effectRef idx="0">
+        <a:scrgbClr r="0" g="0" b="0"/>
+      </a:effectRef>
+      <a:fontRef idx="minor"/>
+    </dgm:style>
+  </dgm:styleLbl>
+  <dgm:styleLbl name="callout">
+    <dgm:scene3d>
+      <a:camera prst="orthographicFront"/>
+      <a:lightRig rig="threePt" dir="t"/>
+    </dgm:scene3d>
+    <dgm:sp3d/>
+    <dgm:txPr/>
+    <dgm:style>
+      <a:lnRef idx="1">
+        <a:scrgbClr r="0" g="0" b="0"/>
+      </a:lnRef>
+      <a:fillRef idx="2">
+        <a:scrgbClr r="0" g="0" b="0"/>
+      </a:fillRef>
+      <a:effectRef idx="1">
+        <a:scrgbClr r="0" g="0" b="0"/>
+      </a:effectRef>
+      <a:fontRef idx="minor"/>
+    </dgm:style>
+  </dgm:styleLbl>
+  <dgm:styleLbl name="asst0">
+    <dgm:scene3d>
+      <a:camera prst="orthographicFront"/>
+      <a:lightRig rig="flat" dir="t"/>
+    </dgm:scene3d>
+    <dgm:sp3d prstMaterial="dkEdge">
+      <a:bevelT w="8200" h="38100"/>
+    </dgm:sp3d>
+    <dgm:txPr/>
+    <dgm:style>
+      <a:lnRef idx="0">
+        <a:scrgbClr r="0" g="0" b="0"/>
+      </a:lnRef>
+      <a:fillRef idx="2">
+        <a:scrgbClr r="0" g="0" b="0"/>
+      </a:fillRef>
+      <a:effectRef idx="1">
+        <a:scrgbClr r="0" g="0" b="0"/>
+      </a:effectRef>
+      <a:fontRef idx="minor">
+        <a:schemeClr val="dk1"/>
+      </a:fontRef>
+    </dgm:style>
+  </dgm:styleLbl>
+  <dgm:styleLbl name="asst1">
+    <dgm:scene3d>
+      <a:camera prst="orthographicFront"/>
+      <a:lightRig rig="flat" dir="t"/>
+    </dgm:scene3d>
+    <dgm:sp3d prstMaterial="dkEdge">
+      <a:bevelT w="8200" h="38100"/>
+    </dgm:sp3d>
+    <dgm:txPr/>
+    <dgm:style>
+      <a:lnRef idx="0">
+        <a:scrgbClr r="0" g="0" b="0"/>
+      </a:lnRef>
+      <a:fillRef idx="2">
+        <a:scrgbClr r="0" g="0" b="0"/>
+      </a:fillRef>
+      <a:effectRef idx="1">
+        <a:scrgbClr r="0" g="0" b="0"/>
+      </a:effectRef>
+      <a:fontRef idx="minor">
+        <a:schemeClr val="dk1"/>
+      </a:fontRef>
+    </dgm:style>
+  </dgm:styleLbl>
+  <dgm:styleLbl name="asst2">
+    <dgm:scene3d>
+      <a:camera prst="orthographicFront"/>
+      <a:lightRig rig="flat" dir="t"/>
+    </dgm:scene3d>
+    <dgm:sp3d prstMaterial="dkEdge">
+      <a:bevelT w="8200" h="38100"/>
+    </dgm:sp3d>
+    <dgm:txPr/>
+    <dgm:style>
+      <a:lnRef idx="0">
+        <a:scrgbClr r="0" g="0" b="0"/>
+      </a:lnRef>
+      <a:fillRef idx="2">
+        <a:scrgbClr r="0" g="0" b="0"/>
+      </a:fillRef>
+      <a:effectRef idx="1">
+        <a:scrgbClr r="0" g="0" b="0"/>
+      </a:effectRef>
+      <a:fontRef idx="minor">
+        <a:schemeClr val="dk1"/>
+      </a:fontRef>
+    </dgm:style>
+  </dgm:styleLbl>
+  <dgm:styleLbl name="asst3">
+    <dgm:scene3d>
+      <a:camera prst="orthographicFront"/>
+      <a:lightRig rig="flat" dir="t"/>
+    </dgm:scene3d>
+    <dgm:sp3d prstMaterial="dkEdge">
+      <a:bevelT w="8200" h="38100"/>
+    </dgm:sp3d>
+    <dgm:txPr/>
+    <dgm:style>
+      <a:lnRef idx="0">
+        <a:scrgbClr r="0" g="0" b="0"/>
+      </a:lnRef>
+      <a:fillRef idx="2">
+        <a:scrgbClr r="0" g="0" b="0"/>
+      </a:fillRef>
+      <a:effectRef idx="1">
+        <a:scrgbClr r="0" g="0" b="0"/>
+      </a:effectRef>
+      <a:fontRef idx="minor">
+        <a:schemeClr val="dk1"/>
+      </a:fontRef>
+    </dgm:style>
+  </dgm:styleLbl>
+  <dgm:styleLbl name="asst4">
+    <dgm:scene3d>
+      <a:camera prst="orthographicFront"/>
+      <a:lightRig rig="flat" dir="t"/>
+    </dgm:scene3d>
+    <dgm:sp3d prstMaterial="dkEdge">
+      <a:bevelT w="8200" h="38100"/>
+    </dgm:sp3d>
+    <dgm:txPr/>
+    <dgm:style>
+      <a:lnRef idx="0">
+        <a:scrgbClr r="0" g="0" b="0"/>
+      </a:lnRef>
+      <a:fillRef idx="2">
+        <a:scrgbClr r="0" g="0" b="0"/>
+      </a:fillRef>
+      <a:effectRef idx="1">
+        <a:scrgbClr r="0" g="0" b="0"/>
+      </a:effectRef>
+      <a:fontRef idx="minor">
+        <a:schemeClr val="dk1"/>
+      </a:fontRef>
+    </dgm:style>
+  </dgm:styleLbl>
+  <dgm:styleLbl name="parChTrans2D1">
+    <dgm:scene3d>
+      <a:camera prst="orthographicFront"/>
+      <a:lightRig rig="threePt" dir="t"/>
+    </dgm:scene3d>
+    <dgm:sp3d/>
+    <dgm:txPr/>
+    <dgm:style>
+      <a:lnRef idx="1">
+        <a:scrgbClr r="0" g="0" b="0"/>
+      </a:lnRef>
+      <a:fillRef idx="2">
+        <a:scrgbClr r="0" g="0" b="0"/>
+      </a:fillRef>
+      <a:effectRef idx="1">
+        <a:scrgbClr r="0" g="0" b="0"/>
+      </a:effectRef>
+      <a:fontRef idx="minor">
+        <a:schemeClr val="dk1"/>
+      </a:fontRef>
+    </dgm:style>
+  </dgm:styleLbl>
+  <dgm:styleLbl name="parChTrans2D2">
+    <dgm:scene3d>
+      <a:camera prst="orthographicFront"/>
+      <a:lightRig rig="threePt" dir="t"/>
+    </dgm:scene3d>
+    <dgm:sp3d/>
+    <dgm:txPr/>
+    <dgm:style>
+      <a:lnRef idx="1">
+        <a:scrgbClr r="0" g="0" b="0"/>
+      </a:lnRef>
+      <a:fillRef idx="2">
+        <a:scrgbClr r="0" g="0" b="0"/>
+      </a:fillRef>
+      <a:effectRef idx="1">
+        <a:scrgbClr r="0" g="0" b="0"/>
+      </a:effectRef>
+      <a:fontRef idx="minor">
+        <a:schemeClr val="dk1"/>
+      </a:fontRef>
+    </dgm:style>
+  </dgm:styleLbl>
+  <dgm:styleLbl name="parChTrans2D3">
+    <dgm:scene3d>
+      <a:camera prst="orthographicFront"/>
+      <a:lightRig rig="threePt" dir="t"/>
+    </dgm:scene3d>
+    <dgm:sp3d/>
+    <dgm:txPr/>
+    <dgm:style>
+      <a:lnRef idx="1">
+        <a:scrgbClr r="0" g="0" b="0"/>
+      </a:lnRef>
+      <a:fillRef idx="2">
+        <a:scrgbClr r="0" g="0" b="0"/>
+      </a:fillRef>
+      <a:effectRef idx="1">
+        <a:scrgbClr r="0" g="0" b="0"/>
+      </a:effectRef>
+      <a:fontRef idx="minor">
+        <a:schemeClr val="dk1"/>
+      </a:fontRef>
+    </dgm:style>
+  </dgm:styleLbl>
+  <dgm:styleLbl name="parChTrans2D4">
+    <dgm:scene3d>
+      <a:camera prst="orthographicFront"/>
+      <a:lightRig rig="threePt" dir="t"/>
+    </dgm:scene3d>
+    <dgm:sp3d/>
+    <dgm:txPr/>
+    <dgm:style>
+      <a:lnRef idx="1">
+        <a:scrgbClr r="0" g="0" b="0"/>
+      </a:lnRef>
+      <a:fillRef idx="2">
+        <a:scrgbClr r="0" g="0" b="0"/>
+      </a:fillRef>
+      <a:effectRef idx="1">
+        <a:scrgbClr r="0" g="0" b="0"/>
+      </a:effectRef>
+      <a:fontRef idx="minor">
+        <a:schemeClr val="dk1"/>
+      </a:fontRef>
+    </dgm:style>
+  </dgm:styleLbl>
+  <dgm:styleLbl name="parChTrans1D1">
+    <dgm:scene3d>
+      <a:camera prst="orthographicFront"/>
+      <a:lightRig rig="threePt" dir="t"/>
+    </dgm:scene3d>
+    <dgm:sp3d/>
+    <dgm:txPr/>
+    <dgm:style>
+      <a:lnRef idx="2">
+        <a:scrgbClr r="0" g="0" b="0"/>
+      </a:lnRef>
+      <a:fillRef idx="0">
+        <a:scrgbClr r="0" g="0" b="0"/>
+      </a:fillRef>
+      <a:effectRef idx="0">
+        <a:scrgbClr r="0" g="0" b="0"/>
+      </a:effectRef>
+      <a:fontRef idx="minor"/>
+    </dgm:style>
+  </dgm:styleLbl>
+  <dgm:styleLbl name="parChTrans1D2">
+    <dgm:scene3d>
+      <a:camera prst="orthographicFront"/>
+      <a:lightRig rig="threePt" dir="t"/>
+    </dgm:scene3d>
+    <dgm:sp3d/>
+    <dgm:txPr/>
+    <dgm:style>
+      <a:lnRef idx="2">
+        <a:scrgbClr r="0" g="0" b="0"/>
+      </a:lnRef>
+      <a:fillRef idx="0">
+        <a:scrgbClr r="0" g="0" b="0"/>
+      </a:fillRef>
+      <a:effectRef idx="0">
+        <a:scrgbClr r="0" g="0" b="0"/>
+      </a:effectRef>
+      <a:fontRef idx="minor"/>
+    </dgm:style>
+  </dgm:styleLbl>
+  <dgm:styleLbl name="parChTrans1D3">
+    <dgm:scene3d>
+      <a:camera prst="orthographicFront"/>
+      <a:lightRig rig="threePt" dir="t"/>
+    </dgm:scene3d>
+    <dgm:sp3d/>
+    <dgm:txPr/>
+    <dgm:style>
+      <a:lnRef idx="2">
+        <a:scrgbClr r="0" g="0" b="0"/>
+      </a:lnRef>
+      <a:fillRef idx="0">
+        <a:scrgbClr r="0" g="0" b="0"/>
+      </a:fillRef>
+      <a:effectRef idx="0">
+        <a:scrgbClr r="0" g="0" b="0"/>
+      </a:effectRef>
+      <a:fontRef idx="minor"/>
+    </dgm:style>
+  </dgm:styleLbl>
+  <dgm:styleLbl name="parChTrans1D4">
+    <dgm:scene3d>
+      <a:camera prst="orthographicFront"/>
+      <a:lightRig rig="threePt" dir="t"/>
+    </dgm:scene3d>
+    <dgm:sp3d/>
+    <dgm:txPr/>
+    <dgm:style>
+      <a:lnRef idx="2">
+        <a:scrgbClr r="0" g="0" b="0"/>
+      </a:lnRef>
+      <a:fillRef idx="0">
+        <a:scrgbClr r="0" g="0" b="0"/>
+      </a:fillRef>
+      <a:effectRef idx="0">
+        <a:scrgbClr r="0" g="0" b="0"/>
+      </a:effectRef>
+      <a:fontRef idx="minor"/>
+    </dgm:style>
+  </dgm:styleLbl>
+  <dgm:styleLbl name="fgAcc1">
+    <dgm:scene3d>
+      <a:camera prst="orthographicFront"/>
+      <a:lightRig rig="threePt" dir="t"/>
+    </dgm:scene3d>
+    <dgm:sp3d/>
+    <dgm:txPr/>
+    <dgm:style>
+      <a:lnRef idx="1">
+        <a:scrgbClr r="0" g="0" b="0"/>
+      </a:lnRef>
+      <a:fillRef idx="1">
+        <a:scrgbClr r="0" g="0" b="0"/>
+      </a:fillRef>
+      <a:effectRef idx="0">
+        <a:scrgbClr r="0" g="0" b="0"/>
+      </a:effectRef>
+      <a:fontRef idx="minor"/>
+    </dgm:style>
+  </dgm:styleLbl>
+  <dgm:styleLbl name="conFgAcc1">
+    <dgm:scene3d>
+      <a:camera prst="orthographicFront"/>
+      <a:lightRig rig="threePt" dir="t"/>
+    </dgm:scene3d>
+    <dgm:sp3d/>
+    <dgm:txPr/>
+    <dgm:style>
+      <a:lnRef idx="1">
+        <a:scrgbClr r="0" g="0" b="0"/>
+      </a:lnRef>
+      <a:fillRef idx="1">
+        <a:scrgbClr r="0" g="0" b="0"/>
+      </a:fillRef>
+      <a:effectRef idx="0">
+        <a:scrgbClr r="0" g="0" b="0"/>
+      </a:effectRef>
+      <a:fontRef idx="minor"/>
+    </dgm:style>
+  </dgm:styleLbl>
+  <dgm:styleLbl name="alignAcc1">
+    <dgm:scene3d>
+      <a:camera prst="orthographicFront"/>
+      <a:lightRig rig="threePt" dir="t"/>
+    </dgm:scene3d>
+    <dgm:sp3d/>
+    <dgm:txPr/>
+    <dgm:style>
+      <a:lnRef idx="1">
+        <a:scrgbClr r="0" g="0" b="0"/>
+      </a:lnRef>
+      <a:fillRef idx="1">
+        <a:scrgbClr r="0" g="0" b="0"/>
+      </a:fillRef>
+      <a:effectRef idx="0">
+        <a:scrgbClr r="0" g="0" b="0"/>
+      </a:effectRef>
+      <a:fontRef idx="minor"/>
+    </dgm:style>
+  </dgm:styleLbl>
+  <dgm:styleLbl name="trAlignAcc1">
+    <dgm:scene3d>
+      <a:camera prst="orthographicFront"/>
+      <a:lightRig rig="threePt" dir="t"/>
+    </dgm:scene3d>
+    <dgm:sp3d/>
+    <dgm:txPr/>
+    <dgm:style>
+      <a:lnRef idx="1">
+        <a:scrgbClr r="0" g="0" b="0"/>
+      </a:lnRef>
+      <a:fillRef idx="1">
+        <a:scrgbClr r="0" g="0" b="0"/>
+      </a:fillRef>
+      <a:effectRef idx="0">
+        <a:scrgbClr r="0" g="0" b="0"/>
+      </a:effectRef>
+      <a:fontRef idx="minor"/>
+    </dgm:style>
+  </dgm:styleLbl>
+  <dgm:styleLbl name="bgAcc1">
+    <dgm:scene3d>
+      <a:camera prst="orthographicFront"/>
+      <a:lightRig rig="threePt" dir="t"/>
+    </dgm:scene3d>
+    <dgm:sp3d/>
+    <dgm:txPr/>
+    <dgm:style>
+      <a:lnRef idx="1">
+        <a:scrgbClr r="0" g="0" b="0"/>
+      </a:lnRef>
+      <a:fillRef idx="1">
+        <a:scrgbClr r="0" g="0" b="0"/>
+      </a:fillRef>
+      <a:effectRef idx="0">
+        <a:scrgbClr r="0" g="0" b="0"/>
+      </a:effectRef>
+      <a:fontRef idx="minor"/>
+    </dgm:style>
+  </dgm:styleLbl>
+  <dgm:styleLbl name="solidFgAcc1">
+    <dgm:scene3d>
+      <a:camera prst="orthographicFront"/>
+      <a:lightRig rig="threePt" dir="t"/>
+    </dgm:scene3d>
+    <dgm:sp3d/>
+    <dgm:txPr/>
+    <dgm:style>
+      <a:lnRef idx="1">
+        <a:scrgbClr r="0" g="0" b="0"/>
+      </a:lnRef>
+      <a:fillRef idx="2">
+        <a:scrgbClr r="0" g="0" b="0"/>
+      </a:fillRef>
+      <a:effectRef idx="0">
+        <a:scrgbClr r="0" g="0" b="0"/>
+      </a:effectRef>
+      <a:fontRef idx="minor"/>
+    </dgm:style>
+  </dgm:styleLbl>
+  <dgm:styleLbl name="solidAlignAcc1">
+    <dgm:scene3d>
+      <a:camera prst="orthographicFront"/>
+      <a:lightRig rig="threePt" dir="t"/>
+    </dgm:scene3d>
+    <dgm:sp3d/>
+    <dgm:txPr/>
+    <dgm:style>
+      <a:lnRef idx="1">
+        <a:scrgbClr r="0" g="0" b="0"/>
+      </a:lnRef>
+      <a:fillRef idx="1">
+        <a:scrgbClr r="0" g="0" b="0"/>
+      </a:fillRef>
+      <a:effectRef idx="0">
+        <a:scrgbClr r="0" g="0" b="0"/>
+      </a:effectRef>
+      <a:fontRef idx="minor"/>
+    </dgm:style>
+  </dgm:styleLbl>
+  <dgm:styleLbl name="solidBgAcc1">
+    <dgm:scene3d>
+      <a:camera prst="orthographicFront"/>
+      <a:lightRig rig="threePt" dir="t"/>
+    </dgm:scene3d>
+    <dgm:sp3d/>
+    <dgm:txPr/>
+    <dgm:style>
+      <a:lnRef idx="1">
+        <a:scrgbClr r="0" g="0" b="0"/>
+      </a:lnRef>
+      <a:fillRef idx="1">
+        <a:scrgbClr r="0" g="0" b="0"/>
+      </a:fillRef>
+      <a:effectRef idx="0">
+        <a:scrgbClr r="0" g="0" b="0"/>
+      </a:effectRef>
+      <a:fontRef idx="minor"/>
+    </dgm:style>
+  </dgm:styleLbl>
+  <dgm:styleLbl name="fgAccFollowNode1">
+    <dgm:scene3d>
+      <a:camera prst="orthographicFront"/>
+      <a:lightRig rig="threePt" dir="t"/>
+    </dgm:scene3d>
+    <dgm:sp3d/>
+    <dgm:txPr/>
+    <dgm:style>
+      <a:lnRef idx="1">
+        <a:scrgbClr r="0" g="0" b="0"/>
+      </a:lnRef>
+      <a:fillRef idx="1">
+        <a:scrgbClr r="0" g="0" b="0"/>
+      </a:fillRef>
+      <a:effectRef idx="0">
+        <a:scrgbClr r="0" g="0" b="0"/>
+      </a:effectRef>
+      <a:fontRef idx="minor"/>
+    </dgm:style>
+  </dgm:styleLbl>
+  <dgm:styleLbl name="alignAccFollowNode1">
+    <dgm:scene3d>
+      <a:camera prst="orthographicFront"/>
+      <a:lightRig rig="threePt" dir="t"/>
+    </dgm:scene3d>
+    <dgm:sp3d/>
+    <dgm:txPr/>
+    <dgm:style>
+      <a:lnRef idx="1">
+        <a:scrgbClr r="0" g="0" b="0"/>
+      </a:lnRef>
+      <a:fillRef idx="1">
+        <a:scrgbClr r="0" g="0" b="0"/>
+      </a:fillRef>
+      <a:effectRef idx="0">
+        <a:scrgbClr r="0" g="0" b="0"/>
+      </a:effectRef>
+      <a:fontRef idx="minor"/>
+    </dgm:style>
+  </dgm:styleLbl>
+  <dgm:styleLbl name="bgAccFollowNode1">
+    <dgm:scene3d>
+      <a:camera prst="orthographicFront"/>
+      <a:lightRig rig="threePt" dir="t"/>
+    </dgm:scene3d>
+    <dgm:sp3d/>
+    <dgm:txPr/>
+    <dgm:style>
+      <a:lnRef idx="1">
+        <a:scrgbClr r="0" g="0" b="0"/>
+      </a:lnRef>
+      <a:fillRef idx="1">
+        <a:scrgbClr r="0" g="0" b="0"/>
+      </a:fillRef>
+      <a:effectRef idx="0">
+        <a:scrgbClr r="0" g="0" b="0"/>
+      </a:effectRef>
+      <a:fontRef idx="minor"/>
+    </dgm:style>
+  </dgm:styleLbl>
+  <dgm:styleLbl name="fgAcc0">
+    <dgm:scene3d>
+      <a:camera prst="orthographicFront"/>
+      <a:lightRig rig="threePt" dir="t"/>
+    </dgm:scene3d>
+    <dgm:sp3d/>
+    <dgm:txPr/>
+    <dgm:style>
+      <a:lnRef idx="1">
+        <a:scrgbClr r="0" g="0" b="0"/>
+      </a:lnRef>
+      <a:fillRef idx="1">
+        <a:scrgbClr r="0" g="0" b="0"/>
+      </a:fillRef>
+      <a:effectRef idx="0">
+        <a:scrgbClr r="0" g="0" b="0"/>
+      </a:effectRef>
+      <a:fontRef idx="minor"/>
+    </dgm:style>
+  </dgm:styleLbl>
+  <dgm:styleLbl name="fgAcc2">
+    <dgm:scene3d>
+      <a:camera prst="orthographicFront"/>
+      <a:lightRig rig="threePt" dir="t"/>
+    </dgm:scene3d>
+    <dgm:sp3d/>
+    <dgm:txPr/>
+    <dgm:style>
+      <a:lnRef idx="1">
+        <a:scrgbClr r="0" g="0" b="0"/>
+      </a:lnRef>
+      <a:fillRef idx="1">
+        <a:scrgbClr r="0" g="0" b="0"/>
+      </a:fillRef>
+      <a:effectRef idx="0">
+        <a:scrgbClr r="0" g="0" b="0"/>
+      </a:effectRef>
+      <a:fontRef idx="minor"/>
+    </dgm:style>
+  </dgm:styleLbl>
+  <dgm:styleLbl name="fgAcc3">
+    <dgm:scene3d>
+      <a:camera prst="orthographicFront"/>
+      <a:lightRig rig="threePt" dir="t"/>
+    </dgm:scene3d>
+    <dgm:sp3d/>
+    <dgm:txPr/>
+    <dgm:style>
+      <a:lnRef idx="1">
+        <a:scrgbClr r="0" g="0" b="0"/>
+      </a:lnRef>
+      <a:fillRef idx="1">
+        <a:scrgbClr r="0" g="0" b="0"/>
+      </a:fillRef>
+      <a:effectRef idx="0">
+        <a:scrgbClr r="0" g="0" b="0"/>
+      </a:effectRef>
+      <a:fontRef idx="minor"/>
+    </dgm:style>
+  </dgm:styleLbl>
+  <dgm:styleLbl name="fgAcc4">
+    <dgm:scene3d>
+      <a:camera prst="orthographicFront"/>
+      <a:lightRig rig="threePt" dir="t"/>
+    </dgm:scene3d>
+    <dgm:sp3d/>
+    <dgm:txPr/>
+    <dgm:style>
+      <a:lnRef idx="1">
+        <a:scrgbClr r="0" g="0" b="0"/>
+      </a:lnRef>
+      <a:fillRef idx="1">
+        <a:scrgbClr r="0" g="0" b="0"/>
+      </a:fillRef>
+      <a:effectRef idx="0">
+        <a:scrgbClr r="0" g="0" b="0"/>
+      </a:effectRef>
+      <a:fontRef idx="minor"/>
+    </dgm:style>
+  </dgm:styleLbl>
+  <dgm:styleLbl name="bgShp">
+    <dgm:scene3d>
+      <a:camera prst="orthographicFront"/>
+      <a:lightRig rig="threePt" dir="t"/>
+    </dgm:scene3d>
+    <dgm:sp3d/>
+    <dgm:txPr/>
+    <dgm:style>
+      <a:lnRef idx="0">
+        <a:scrgbClr r="0" g="0" b="0"/>
+      </a:lnRef>
+      <a:fillRef idx="1">
+        <a:scrgbClr r="0" g="0" b="0"/>
+      </a:fillRef>
+      <a:effectRef idx="1">
+        <a:scrgbClr r="0" g="0" b="0"/>
+      </a:effectRef>
+      <a:fontRef idx="minor"/>
+    </dgm:style>
+  </dgm:styleLbl>
+  <dgm:styleLbl name="dkBgShp">
+    <dgm:scene3d>
+      <a:camera prst="orthographicFront"/>
+      <a:lightRig rig="threePt" dir="t"/>
+    </dgm:scene3d>
+    <dgm:sp3d/>
+    <dgm:txPr/>
+    <dgm:style>
+      <a:lnRef idx="0">
+        <a:scrgbClr r="0" g="0" b="0"/>
+      </a:lnRef>
+      <a:fillRef idx="1">
+        <a:scrgbClr r="0" g="0" b="0"/>
+      </a:fillRef>
+      <a:effectRef idx="1">
+        <a:scrgbClr r="0" g="0" b="0"/>
+      </a:effectRef>
+      <a:fontRef idx="minor"/>
+    </dgm:style>
+  </dgm:styleLbl>
+  <dgm:styleLbl name="trBgShp">
+    <dgm:scene3d>
+      <a:camera prst="orthographicFront"/>
+      <a:lightRig rig="threePt" dir="t"/>
+    </dgm:scene3d>
+    <dgm:sp3d/>
+    <dgm:txPr/>
+    <dgm:style>
+      <a:lnRef idx="0">
+        <a:scrgbClr r="0" g="0" b="0"/>
+      </a:lnRef>
+      <a:fillRef idx="1">
+        <a:scrgbClr r="0" g="0" b="0"/>
+      </a:fillRef>
+      <a:effectRef idx="0">
+        <a:scrgbClr r="0" g="0" b="0"/>
+      </a:effectRef>
+      <a:fontRef idx="minor"/>
+    </dgm:style>
+  </dgm:styleLbl>
+  <dgm:styleLbl name="fgShp">
+    <dgm:scene3d>
+      <a:camera prst="orthographicFront"/>
+      <a:lightRig rig="flat" dir="t"/>
+    </dgm:scene3d>
+    <dgm:sp3d prstMaterial="dkEdge">
+      <a:bevelT w="8200" h="38100"/>
+    </dgm:sp3d>
+    <dgm:txPr/>
+    <dgm:style>
+      <a:lnRef idx="1">
+        <a:scrgbClr r="0" g="0" b="0"/>
+      </a:lnRef>
+      <a:fillRef idx="2">
+        <a:scrgbClr r="0" g="0" b="0"/>
+      </a:fillRef>
+      <a:effectRef idx="1">
+        <a:scrgbClr r="0" g="0" b="0"/>
+      </a:effectRef>
+      <a:fontRef idx="minor"/>
+    </dgm:style>
+  </dgm:styleLbl>
+  <dgm:styleLbl name="revTx">
+    <dgm:scene3d>
+      <a:camera prst="orthographicFront"/>
+      <a:lightRig rig="threePt" dir="t"/>
+    </dgm:scene3d>
+    <dgm:sp3d/>
+    <dgm:txPr/>
+    <dgm:style>
+      <a:lnRef idx="0">
+        <a:scrgbClr r="0" g="0" b="0"/>
+      </a:lnRef>
+      <a:fillRef idx="0">
+        <a:scrgbClr r="0" g="0" b="0"/>
+      </a:fillRef>
+      <a:effectRef idx="0">
+        <a:scrgbClr r="0" g="0" b="0"/>
+      </a:effectRef>
+      <a:fontRef idx="minor"/>
+    </dgm:style>
+  </dgm:styleLbl>
+</dgm:styleDef>
 </file>
 
 <file path=ppt/slideLayouts/slideLayout1.xml><?xml version="1.0" encoding="utf-8"?>
@@ -239,7 +3256,7 @@
           <a:p>
             <a:fld id="{6FB5A0D6-0DC3-4835-AB6B-5E0546500921}" type="datetimeFigureOut">
               <a:rPr lang="fr-FR" smtClean="0"/>
-              <a:t>29/02/2016</a:t>
+              <a:t>02/04/2016</a:t>
             </a:fld>
             <a:endParaRPr lang="fr-FR"/>
           </a:p>
@@ -409,7 +3426,7 @@
           <a:p>
             <a:fld id="{6FB5A0D6-0DC3-4835-AB6B-5E0546500921}" type="datetimeFigureOut">
               <a:rPr lang="fr-FR" smtClean="0"/>
-              <a:t>29/02/2016</a:t>
+              <a:t>02/04/2016</a:t>
             </a:fld>
             <a:endParaRPr lang="fr-FR"/>
           </a:p>
@@ -589,7 +3606,7 @@
           <a:p>
             <a:fld id="{6FB5A0D6-0DC3-4835-AB6B-5E0546500921}" type="datetimeFigureOut">
               <a:rPr lang="fr-FR" smtClean="0"/>
-              <a:t>29/02/2016</a:t>
+              <a:t>02/04/2016</a:t>
             </a:fld>
             <a:endParaRPr lang="fr-FR"/>
           </a:p>
@@ -759,7 +3776,7 @@
           <a:p>
             <a:fld id="{6FB5A0D6-0DC3-4835-AB6B-5E0546500921}" type="datetimeFigureOut">
               <a:rPr lang="fr-FR" smtClean="0"/>
-              <a:t>29/02/2016</a:t>
+              <a:t>02/04/2016</a:t>
             </a:fld>
             <a:endParaRPr lang="fr-FR"/>
           </a:p>
@@ -1005,7 +4022,7 @@
           <a:p>
             <a:fld id="{6FB5A0D6-0DC3-4835-AB6B-5E0546500921}" type="datetimeFigureOut">
               <a:rPr lang="fr-FR" smtClean="0"/>
-              <a:t>29/02/2016</a:t>
+              <a:t>02/04/2016</a:t>
             </a:fld>
             <a:endParaRPr lang="fr-FR"/>
           </a:p>
@@ -1237,7 +4254,7 @@
           <a:p>
             <a:fld id="{6FB5A0D6-0DC3-4835-AB6B-5E0546500921}" type="datetimeFigureOut">
               <a:rPr lang="fr-FR" smtClean="0"/>
-              <a:t>29/02/2016</a:t>
+              <a:t>02/04/2016</a:t>
             </a:fld>
             <a:endParaRPr lang="fr-FR"/>
           </a:p>
@@ -1604,7 +4621,7 @@
           <a:p>
             <a:fld id="{6FB5A0D6-0DC3-4835-AB6B-5E0546500921}" type="datetimeFigureOut">
               <a:rPr lang="fr-FR" smtClean="0"/>
-              <a:t>29/02/2016</a:t>
+              <a:t>02/04/2016</a:t>
             </a:fld>
             <a:endParaRPr lang="fr-FR"/>
           </a:p>
@@ -1722,7 +4739,7 @@
           <a:p>
             <a:fld id="{6FB5A0D6-0DC3-4835-AB6B-5E0546500921}" type="datetimeFigureOut">
               <a:rPr lang="fr-FR" smtClean="0"/>
-              <a:t>29/02/2016</a:t>
+              <a:t>02/04/2016</a:t>
             </a:fld>
             <a:endParaRPr lang="fr-FR"/>
           </a:p>
@@ -1817,7 +4834,7 @@
           <a:p>
             <a:fld id="{6FB5A0D6-0DC3-4835-AB6B-5E0546500921}" type="datetimeFigureOut">
               <a:rPr lang="fr-FR" smtClean="0"/>
-              <a:t>29/02/2016</a:t>
+              <a:t>02/04/2016</a:t>
             </a:fld>
             <a:endParaRPr lang="fr-FR"/>
           </a:p>
@@ -2094,7 +5111,7 @@
           <a:p>
             <a:fld id="{6FB5A0D6-0DC3-4835-AB6B-5E0546500921}" type="datetimeFigureOut">
               <a:rPr lang="fr-FR" smtClean="0"/>
-              <a:t>29/02/2016</a:t>
+              <a:t>02/04/2016</a:t>
             </a:fld>
             <a:endParaRPr lang="fr-FR"/>
           </a:p>
@@ -2347,7 +5364,7 @@
           <a:p>
             <a:fld id="{6FB5A0D6-0DC3-4835-AB6B-5E0546500921}" type="datetimeFigureOut">
               <a:rPr lang="fr-FR" smtClean="0"/>
-              <a:t>29/02/2016</a:t>
+              <a:t>02/04/2016</a:t>
             </a:fld>
             <a:endParaRPr lang="fr-FR"/>
           </a:p>
@@ -2560,7 +5577,7 @@
           <a:p>
             <a:fld id="{6FB5A0D6-0DC3-4835-AB6B-5E0546500921}" type="datetimeFigureOut">
               <a:rPr lang="fr-FR" smtClean="0"/>
-              <a:t>29/02/2016</a:t>
+              <a:t>02/04/2016</a:t>
             </a:fld>
             <a:endParaRPr lang="fr-FR"/>
           </a:p>
@@ -3803,10 +6820,6 @@
           <a:lstStyle/>
           <a:p>
             <a:pPr algn="ctr"/>
-            <a:r>
-              <a:rPr lang="fr-FR" dirty="0" smtClean="0"/>
-              <a:t>c</a:t>
-            </a:r>
             <a:endParaRPr lang="fr-FR" dirty="0"/>
           </a:p>
         </p:txBody>
@@ -3969,6 +6982,58 @@
     <p:extLst>
       <p:ext uri="{BB962C8B-B14F-4D97-AF65-F5344CB8AC3E}">
         <p14:creationId xmlns:p14="http://schemas.microsoft.com/office/powerpoint/2010/main" val="1908889909"/>
+      </p:ext>
+    </p:extLst>
+  </p:cSld>
+  <p:clrMapOvr>
+    <a:masterClrMapping/>
+  </p:clrMapOvr>
+</p:sld>
+</file>
+
+<file path=ppt/slides/slide3.xml><?xml version="1.0" encoding="utf-8"?>
+<p:sld xmlns:a="http://schemas.openxmlformats.org/drawingml/2006/main" xmlns:r="http://schemas.openxmlformats.org/officeDocument/2006/relationships" xmlns:p="http://schemas.openxmlformats.org/presentationml/2006/main">
+  <p:cSld>
+    <p:spTree>
+      <p:nvGrpSpPr>
+        <p:cNvPr id="1" name=""/>
+        <p:cNvGrpSpPr/>
+        <p:nvPr/>
+      </p:nvGrpSpPr>
+      <p:grpSpPr>
+        <a:xfrm>
+          <a:off x="0" y="0"/>
+          <a:ext cx="0" cy="0"/>
+          <a:chOff x="0" y="0"/>
+          <a:chExt cx="0" cy="0"/>
+        </a:xfrm>
+      </p:grpSpPr>
+      <p:graphicFrame>
+        <p:nvGraphicFramePr>
+          <p:cNvPr id="2" name="Diagrama 1"/>
+          <p:cNvGraphicFramePr/>
+          <p:nvPr>
+            <p:extLst>
+              <p:ext uri="{D42A27DB-BD31-4B8C-83A1-F6EECF244321}">
+                <p14:modId xmlns:p14="http://schemas.microsoft.com/office/powerpoint/2010/main" val="2262760376"/>
+              </p:ext>
+            </p:extLst>
+          </p:nvPr>
+        </p:nvGraphicFramePr>
+        <p:xfrm>
+          <a:off x="2032000" y="719666"/>
+          <a:ext cx="8128000" cy="5418667"/>
+        </p:xfrm>
+        <a:graphic>
+          <a:graphicData uri="http://schemas.openxmlformats.org/drawingml/2006/diagram">
+            <dgm:relIds xmlns:dgm="http://schemas.openxmlformats.org/drawingml/2006/diagram" xmlns:r="http://schemas.openxmlformats.org/officeDocument/2006/relationships" r:dm="rId2" r:lo="rId3" r:qs="rId4" r:cs="rId5"/>
+          </a:graphicData>
+        </a:graphic>
+      </p:graphicFrame>
+    </p:spTree>
+    <p:extLst>
+      <p:ext uri="{BB962C8B-B14F-4D97-AF65-F5344CB8AC3E}">
+        <p14:creationId xmlns:p14="http://schemas.microsoft.com/office/powerpoint/2010/main" val="522921620"/>
       </p:ext>
     </p:extLst>
   </p:cSld>
